--- a/git_gitflow.pptx
+++ b/git_gitflow.pptx
@@ -1779,7 +1779,7 @@
           </a:ln>
           <a:extLst>
             <a:ext uri="{C572A759-6A51-4108-AA02-DFA0A04FC94B}">
-              <ma14:wrappingTextBoxFlag xmlns="" xmlns:m="http://schemas.openxmlformats.org/officeDocument/2006/math" xmlns:a14="http://schemas.microsoft.com/office/drawing/2010/main" xmlns:ma14="http://schemas.microsoft.com/office/mac/drawingml/2011/main" val="1"/>
+              <ma14:wrappingTextBoxFlag xmlns:ma14="http://schemas.microsoft.com/office/mac/drawingml/2011/main" xmlns:a14="http://schemas.microsoft.com/office/drawing/2010/main" xmlns:m="http://schemas.openxmlformats.org/officeDocument/2006/math" xmlns="" val="1"/>
             </a:ext>
           </a:extLst>
         </p:spPr>
@@ -1818,7 +1818,7 @@
           </a:ln>
           <a:extLst>
             <a:ext uri="{C572A759-6A51-4108-AA02-DFA0A04FC94B}">
-              <ma14:wrappingTextBoxFlag xmlns="" xmlns:m="http://schemas.openxmlformats.org/officeDocument/2006/math" xmlns:a14="http://schemas.microsoft.com/office/drawing/2010/main" xmlns:ma14="http://schemas.microsoft.com/office/mac/drawingml/2011/main" val="1"/>
+              <ma14:wrappingTextBoxFlag xmlns:ma14="http://schemas.microsoft.com/office/mac/drawingml/2011/main" xmlns:a14="http://schemas.microsoft.com/office/drawing/2010/main" xmlns:m="http://schemas.openxmlformats.org/officeDocument/2006/math" xmlns="" val="1"/>
             </a:ext>
           </a:extLst>
         </p:spPr>
@@ -2964,7 +2964,7 @@
           </a:ln>
           <a:extLst>
             <a:ext uri="{C572A759-6A51-4108-AA02-DFA0A04FC94B}">
-              <ma14:wrappingTextBoxFlag xmlns="" xmlns:m="http://schemas.openxmlformats.org/officeDocument/2006/math" xmlns:a14="http://schemas.microsoft.com/office/drawing/2010/main" xmlns:ma14="http://schemas.microsoft.com/office/mac/drawingml/2011/main" val="1"/>
+              <ma14:wrappingTextBoxFlag xmlns:ma14="http://schemas.microsoft.com/office/mac/drawingml/2011/main" xmlns:a14="http://schemas.microsoft.com/office/drawing/2010/main" xmlns:m="http://schemas.openxmlformats.org/officeDocument/2006/math" xmlns="" val="1"/>
             </a:ext>
           </a:extLst>
         </p:spPr>
@@ -3011,7 +3011,7 @@
         <p:spPr>
           <a:xfrm>
             <a:off x="1890203" y="3636750"/>
-            <a:ext cx="1079781" cy="338554"/>
+            <a:ext cx="2031964" cy="338554"/>
           </a:xfrm>
           <a:prstGeom prst="rect">
             <a:avLst/>
@@ -3021,7 +3021,7 @@
           </a:ln>
           <a:extLst>
             <a:ext uri="{C572A759-6A51-4108-AA02-DFA0A04FC94B}">
-              <ma14:wrappingTextBoxFlag xmlns="" xmlns:m="http://schemas.openxmlformats.org/officeDocument/2006/math" xmlns:a14="http://schemas.microsoft.com/office/drawing/2010/main" xmlns:ma14="http://schemas.microsoft.com/office/mac/drawingml/2011/main" val="1"/>
+              <ma14:wrappingTextBoxFlag xmlns:ma14="http://schemas.microsoft.com/office/mac/drawingml/2011/main" xmlns:a14="http://schemas.microsoft.com/office/drawing/2010/main" xmlns:m="http://schemas.openxmlformats.org/officeDocument/2006/math" xmlns="" val="1"/>
             </a:ext>
           </a:extLst>
         </p:spPr>
@@ -3045,7 +3045,7 @@
           <a:p>
             <a:r>
               <a:rPr lang="pt-BR" dirty="0"/>
-              <a:t>Introdução</a:t>
+              <a:t>Introdução - 05/2021</a:t>
             </a:r>
           </a:p>
         </p:txBody>
@@ -3206,6 +3206,53 @@
           </a:p>
         </p:txBody>
       </p:sp>
+      <p:pic>
+        <p:nvPicPr>
+          <p:cNvPr id="1026" name="Picture 2">
+            <a:extLst>
+              <a:ext uri="{FF2B5EF4-FFF2-40B4-BE49-F238E27FC236}">
+                <a16:creationId xmlns:a16="http://schemas.microsoft.com/office/drawing/2014/main" id="{E18359BE-1AC0-4BDC-967C-64B6BB69E6AD}"/>
+              </a:ext>
+            </a:extLst>
+          </p:cNvPr>
+          <p:cNvPicPr>
+            <a:picLocks noChangeAspect="1" noChangeArrowheads="1"/>
+          </p:cNvPicPr>
+          <p:nvPr/>
+        </p:nvPicPr>
+        <p:blipFill>
+          <a:blip r:embed="rId2">
+            <a:extLst>
+              <a:ext uri="{28A0092B-C50C-407E-A947-70E740481C1C}">
+                <a14:useLocalDpi xmlns:a14="http://schemas.microsoft.com/office/drawing/2010/main" val="0"/>
+              </a:ext>
+            </a:extLst>
+          </a:blip>
+          <a:srcRect/>
+          <a:stretch>
+            <a:fillRect/>
+          </a:stretch>
+        </p:blipFill>
+        <p:spPr bwMode="auto">
+          <a:xfrm>
+            <a:off x="42864" y="0"/>
+            <a:ext cx="2552700" cy="1514475"/>
+          </a:xfrm>
+          <a:prstGeom prst="rect">
+            <a:avLst/>
+          </a:prstGeom>
+          <a:noFill/>
+          <a:extLst>
+            <a:ext uri="{909E8E84-426E-40DD-AFC4-6F175D3DCCD1}">
+              <a14:hiddenFill xmlns:a14="http://schemas.microsoft.com/office/drawing/2010/main">
+                <a:solidFill>
+                  <a:srgbClr val="FFFFFF"/>
+                </a:solidFill>
+              </a14:hiddenFill>
+            </a:ext>
+          </a:extLst>
+        </p:spPr>
+      </p:pic>
     </p:spTree>
   </p:cSld>
   <p:clrMapOvr>
@@ -3252,7 +3299,7 @@
           </a:prstGeom>
           <a:extLst>
             <a:ext uri="{C572A759-6A51-4108-AA02-DFA0A04FC94B}">
-              <ma14:wrappingTextBoxFlag xmlns="" xmlns:m="http://schemas.openxmlformats.org/officeDocument/2006/math" xmlns:a14="http://schemas.microsoft.com/office/drawing/2010/main" xmlns:ma14="http://schemas.microsoft.com/office/mac/drawingml/2011/main" val="1"/>
+              <ma14:wrappingTextBoxFlag xmlns:ma14="http://schemas.microsoft.com/office/mac/drawingml/2011/main" xmlns:a14="http://schemas.microsoft.com/office/drawing/2010/main" xmlns:m="http://schemas.openxmlformats.org/officeDocument/2006/math" xmlns="" val="1"/>
             </a:ext>
           </a:extLst>
         </p:spPr>
@@ -3286,7 +3333,7 @@
           </a:ln>
           <a:extLst>
             <a:ext uri="{C572A759-6A51-4108-AA02-DFA0A04FC94B}">
-              <ma14:wrappingTextBoxFlag xmlns="" xmlns:m="http://schemas.openxmlformats.org/officeDocument/2006/math" xmlns:a14="http://schemas.microsoft.com/office/drawing/2010/main" xmlns:ma14="http://schemas.microsoft.com/office/mac/drawingml/2011/main" val="1"/>
+              <ma14:wrappingTextBoxFlag xmlns:ma14="http://schemas.microsoft.com/office/mac/drawingml/2011/main" xmlns:a14="http://schemas.microsoft.com/office/drawing/2010/main" xmlns:m="http://schemas.openxmlformats.org/officeDocument/2006/math" xmlns="" val="1"/>
             </a:ext>
           </a:extLst>
         </p:spPr>
@@ -3335,7 +3382,7 @@
           </a:ln>
           <a:extLst>
             <a:ext uri="{C572A759-6A51-4108-AA02-DFA0A04FC94B}">
-              <ma14:wrappingTextBoxFlag xmlns="" xmlns:m="http://schemas.openxmlformats.org/officeDocument/2006/math" xmlns:a14="http://schemas.microsoft.com/office/drawing/2010/main" xmlns:ma14="http://schemas.microsoft.com/office/mac/drawingml/2011/main" val="1"/>
+              <ma14:wrappingTextBoxFlag xmlns:ma14="http://schemas.microsoft.com/office/mac/drawingml/2011/main" xmlns:a14="http://schemas.microsoft.com/office/drawing/2010/main" xmlns:m="http://schemas.openxmlformats.org/officeDocument/2006/math" xmlns="" val="1"/>
             </a:ext>
           </a:extLst>
         </p:spPr>
@@ -3417,7 +3464,7 @@
           </a:ln>
           <a:extLst>
             <a:ext uri="{C572A759-6A51-4108-AA02-DFA0A04FC94B}">
-              <ma14:wrappingTextBoxFlag xmlns:ma14="http://schemas.microsoft.com/office/mac/drawingml/2011/main" xmlns:a14="http://schemas.microsoft.com/office/drawing/2010/main" xmlns:m="http://schemas.openxmlformats.org/officeDocument/2006/math" xmlns="" val="1"/>
+              <ma14:wrappingTextBoxFlag xmlns="" xmlns:m="http://schemas.openxmlformats.org/officeDocument/2006/math" xmlns:a14="http://schemas.microsoft.com/office/drawing/2010/main" xmlns:ma14="http://schemas.microsoft.com/office/mac/drawingml/2011/main" val="1"/>
             </a:ext>
           </a:extLst>
         </p:spPr>
@@ -3530,7 +3577,7 @@
           </a:prstGeom>
           <a:extLst>
             <a:ext uri="{C572A759-6A51-4108-AA02-DFA0A04FC94B}">
-              <ma14:wrappingTextBoxFlag xmlns:ma14="http://schemas.microsoft.com/office/mac/drawingml/2011/main" xmlns:a14="http://schemas.microsoft.com/office/drawing/2010/main" xmlns:m="http://schemas.openxmlformats.org/officeDocument/2006/math" xmlns="" val="1"/>
+              <ma14:wrappingTextBoxFlag xmlns="" xmlns:m="http://schemas.openxmlformats.org/officeDocument/2006/math" xmlns:a14="http://schemas.microsoft.com/office/drawing/2010/main" xmlns:ma14="http://schemas.microsoft.com/office/mac/drawingml/2011/main" val="1"/>
             </a:ext>
           </a:extLst>
         </p:spPr>
@@ -3564,7 +3611,7 @@
           </a:ln>
           <a:extLst>
             <a:ext uri="{C572A759-6A51-4108-AA02-DFA0A04FC94B}">
-              <ma14:wrappingTextBoxFlag xmlns:ma14="http://schemas.microsoft.com/office/mac/drawingml/2011/main" xmlns:a14="http://schemas.microsoft.com/office/drawing/2010/main" xmlns:m="http://schemas.openxmlformats.org/officeDocument/2006/math" xmlns="" val="1"/>
+              <ma14:wrappingTextBoxFlag xmlns="" xmlns:m="http://schemas.openxmlformats.org/officeDocument/2006/math" xmlns:a14="http://schemas.microsoft.com/office/drawing/2010/main" xmlns:ma14="http://schemas.microsoft.com/office/mac/drawingml/2011/main" val="1"/>
             </a:ext>
           </a:extLst>
         </p:spPr>
@@ -3621,7 +3668,7 @@
           </a:ln>
           <a:extLst>
             <a:ext uri="{C572A759-6A51-4108-AA02-DFA0A04FC94B}">
-              <ma14:wrappingTextBoxFlag xmlns:ma14="http://schemas.microsoft.com/office/mac/drawingml/2011/main" xmlns:a14="http://schemas.microsoft.com/office/drawing/2010/main" xmlns:m="http://schemas.openxmlformats.org/officeDocument/2006/math" xmlns="" val="1"/>
+              <ma14:wrappingTextBoxFlag xmlns="" xmlns:m="http://schemas.openxmlformats.org/officeDocument/2006/math" xmlns:a14="http://schemas.microsoft.com/office/drawing/2010/main" xmlns:ma14="http://schemas.microsoft.com/office/mac/drawingml/2011/main" val="1"/>
             </a:ext>
           </a:extLst>
         </p:spPr>
@@ -3696,7 +3743,7 @@
           </a:ln>
           <a:extLst>
             <a:ext uri="{C572A759-6A51-4108-AA02-DFA0A04FC94B}">
-              <ma14:wrappingTextBoxFlag xmlns="" xmlns:m="http://schemas.openxmlformats.org/officeDocument/2006/math" xmlns:a14="http://schemas.microsoft.com/office/drawing/2010/main" xmlns:ma14="http://schemas.microsoft.com/office/mac/drawingml/2011/main" val="1"/>
+              <ma14:wrappingTextBoxFlag xmlns:ma14="http://schemas.microsoft.com/office/mac/drawingml/2011/main" xmlns:a14="http://schemas.microsoft.com/office/drawing/2010/main" xmlns:m="http://schemas.openxmlformats.org/officeDocument/2006/math" xmlns="" val="1"/>
             </a:ext>
           </a:extLst>
         </p:spPr>
@@ -3773,7 +3820,7 @@
           </a:prstGeom>
           <a:extLst>
             <a:ext uri="{C572A759-6A51-4108-AA02-DFA0A04FC94B}">
-              <ma14:wrappingTextBoxFlag xmlns:ma14="http://schemas.microsoft.com/office/mac/drawingml/2011/main" xmlns:a14="http://schemas.microsoft.com/office/drawing/2010/main" xmlns:m="http://schemas.openxmlformats.org/officeDocument/2006/math" xmlns="" val="1"/>
+              <ma14:wrappingTextBoxFlag xmlns="" xmlns:m="http://schemas.openxmlformats.org/officeDocument/2006/math" xmlns:a14="http://schemas.microsoft.com/office/drawing/2010/main" xmlns:ma14="http://schemas.microsoft.com/office/mac/drawingml/2011/main" val="1"/>
             </a:ext>
           </a:extLst>
         </p:spPr>
@@ -3807,7 +3854,7 @@
           </a:ln>
           <a:extLst>
             <a:ext uri="{C572A759-6A51-4108-AA02-DFA0A04FC94B}">
-              <ma14:wrappingTextBoxFlag xmlns:ma14="http://schemas.microsoft.com/office/mac/drawingml/2011/main" xmlns:a14="http://schemas.microsoft.com/office/drawing/2010/main" xmlns:m="http://schemas.openxmlformats.org/officeDocument/2006/math" xmlns="" val="1"/>
+              <ma14:wrappingTextBoxFlag xmlns="" xmlns:m="http://schemas.openxmlformats.org/officeDocument/2006/math" xmlns:a14="http://schemas.microsoft.com/office/drawing/2010/main" xmlns:ma14="http://schemas.microsoft.com/office/mac/drawingml/2011/main" val="1"/>
             </a:ext>
           </a:extLst>
         </p:spPr>
@@ -3856,7 +3903,7 @@
           </a:ln>
           <a:extLst>
             <a:ext uri="{C572A759-6A51-4108-AA02-DFA0A04FC94B}">
-              <ma14:wrappingTextBoxFlag xmlns:ma14="http://schemas.microsoft.com/office/mac/drawingml/2011/main" xmlns:a14="http://schemas.microsoft.com/office/drawing/2010/main" xmlns:m="http://schemas.openxmlformats.org/officeDocument/2006/math" xmlns="" val="1"/>
+              <ma14:wrappingTextBoxFlag xmlns="" xmlns:m="http://schemas.openxmlformats.org/officeDocument/2006/math" xmlns:a14="http://schemas.microsoft.com/office/drawing/2010/main" xmlns:ma14="http://schemas.microsoft.com/office/mac/drawingml/2011/main" val="1"/>
             </a:ext>
           </a:extLst>
         </p:spPr>
@@ -3926,7 +3973,7 @@
           </a:ln>
           <a:extLst>
             <a:ext uri="{C572A759-6A51-4108-AA02-DFA0A04FC94B}">
-              <ma14:wrappingTextBoxFlag xmlns="" xmlns:m="http://schemas.openxmlformats.org/officeDocument/2006/math" xmlns:a14="http://schemas.microsoft.com/office/drawing/2010/main" xmlns:ma14="http://schemas.microsoft.com/office/mac/drawingml/2011/main" val="1"/>
+              <ma14:wrappingTextBoxFlag xmlns:ma14="http://schemas.microsoft.com/office/mac/drawingml/2011/main" xmlns:a14="http://schemas.microsoft.com/office/drawing/2010/main" xmlns:m="http://schemas.openxmlformats.org/officeDocument/2006/math" xmlns="" val="1"/>
             </a:ext>
           </a:extLst>
         </p:spPr>
@@ -4039,7 +4086,7 @@
           </a:prstGeom>
           <a:extLst>
             <a:ext uri="{C572A759-6A51-4108-AA02-DFA0A04FC94B}">
-              <ma14:wrappingTextBoxFlag xmlns="" xmlns:m="http://schemas.openxmlformats.org/officeDocument/2006/math" xmlns:a14="http://schemas.microsoft.com/office/drawing/2010/main" xmlns:ma14="http://schemas.microsoft.com/office/mac/drawingml/2011/main" val="1"/>
+              <ma14:wrappingTextBoxFlag xmlns:ma14="http://schemas.microsoft.com/office/mac/drawingml/2011/main" xmlns:a14="http://schemas.microsoft.com/office/drawing/2010/main" xmlns:m="http://schemas.openxmlformats.org/officeDocument/2006/math" xmlns="" val="1"/>
             </a:ext>
           </a:extLst>
         </p:spPr>
@@ -4073,7 +4120,7 @@
           </a:ln>
           <a:extLst>
             <a:ext uri="{C572A759-6A51-4108-AA02-DFA0A04FC94B}">
-              <ma14:wrappingTextBoxFlag xmlns="" xmlns:m="http://schemas.openxmlformats.org/officeDocument/2006/math" xmlns:a14="http://schemas.microsoft.com/office/drawing/2010/main" xmlns:ma14="http://schemas.microsoft.com/office/mac/drawingml/2011/main" val="1"/>
+              <ma14:wrappingTextBoxFlag xmlns:ma14="http://schemas.microsoft.com/office/mac/drawingml/2011/main" xmlns:a14="http://schemas.microsoft.com/office/drawing/2010/main" xmlns:m="http://schemas.openxmlformats.org/officeDocument/2006/math" xmlns="" val="1"/>
             </a:ext>
           </a:extLst>
         </p:spPr>
@@ -4122,7 +4169,7 @@
           </a:ln>
           <a:extLst>
             <a:ext uri="{C572A759-6A51-4108-AA02-DFA0A04FC94B}">
-              <ma14:wrappingTextBoxFlag xmlns="" xmlns:m="http://schemas.openxmlformats.org/officeDocument/2006/math" xmlns:a14="http://schemas.microsoft.com/office/drawing/2010/main" xmlns:ma14="http://schemas.microsoft.com/office/mac/drawingml/2011/main" val="1"/>
+              <ma14:wrappingTextBoxFlag xmlns:ma14="http://schemas.microsoft.com/office/mac/drawingml/2011/main" xmlns:a14="http://schemas.microsoft.com/office/drawing/2010/main" xmlns:m="http://schemas.openxmlformats.org/officeDocument/2006/math" xmlns="" val="1"/>
             </a:ext>
           </a:extLst>
         </p:spPr>
@@ -4216,7 +4263,7 @@
           </a:ln>
           <a:extLst>
             <a:ext uri="{C572A759-6A51-4108-AA02-DFA0A04FC94B}">
-              <ma14:wrappingTextBoxFlag xmlns:ma14="http://schemas.microsoft.com/office/mac/drawingml/2011/main" xmlns:a14="http://schemas.microsoft.com/office/drawing/2010/main" xmlns:m="http://schemas.openxmlformats.org/officeDocument/2006/math" xmlns="" val="1"/>
+              <ma14:wrappingTextBoxFlag xmlns="" xmlns:m="http://schemas.openxmlformats.org/officeDocument/2006/math" xmlns:a14="http://schemas.microsoft.com/office/drawing/2010/main" xmlns:ma14="http://schemas.microsoft.com/office/mac/drawingml/2011/main" val="1"/>
             </a:ext>
           </a:extLst>
         </p:spPr>
@@ -4293,7 +4340,7 @@
           </a:prstGeom>
           <a:extLst>
             <a:ext uri="{C572A759-6A51-4108-AA02-DFA0A04FC94B}">
-              <ma14:wrappingTextBoxFlag xmlns:ma14="http://schemas.microsoft.com/office/mac/drawingml/2011/main" xmlns:a14="http://schemas.microsoft.com/office/drawing/2010/main" xmlns:m="http://schemas.openxmlformats.org/officeDocument/2006/math" xmlns="" val="1"/>
+              <ma14:wrappingTextBoxFlag xmlns="" xmlns:m="http://schemas.openxmlformats.org/officeDocument/2006/math" xmlns:a14="http://schemas.microsoft.com/office/drawing/2010/main" xmlns:ma14="http://schemas.microsoft.com/office/mac/drawingml/2011/main" val="1"/>
             </a:ext>
           </a:extLst>
         </p:spPr>
@@ -4327,7 +4374,7 @@
           </a:ln>
           <a:extLst>
             <a:ext uri="{C572A759-6A51-4108-AA02-DFA0A04FC94B}">
-              <ma14:wrappingTextBoxFlag xmlns:ma14="http://schemas.microsoft.com/office/mac/drawingml/2011/main" xmlns:a14="http://schemas.microsoft.com/office/drawing/2010/main" xmlns:m="http://schemas.openxmlformats.org/officeDocument/2006/math" xmlns="" val="1"/>
+              <ma14:wrappingTextBoxFlag xmlns="" xmlns:m="http://schemas.openxmlformats.org/officeDocument/2006/math" xmlns:a14="http://schemas.microsoft.com/office/drawing/2010/main" xmlns:ma14="http://schemas.microsoft.com/office/mac/drawingml/2011/main" val="1"/>
             </a:ext>
           </a:extLst>
         </p:spPr>
@@ -4376,7 +4423,7 @@
           </a:ln>
           <a:extLst>
             <a:ext uri="{C572A759-6A51-4108-AA02-DFA0A04FC94B}">
-              <ma14:wrappingTextBoxFlag xmlns:ma14="http://schemas.microsoft.com/office/mac/drawingml/2011/main" xmlns:a14="http://schemas.microsoft.com/office/drawing/2010/main" xmlns:m="http://schemas.openxmlformats.org/officeDocument/2006/math" xmlns="" val="1"/>
+              <ma14:wrappingTextBoxFlag xmlns="" xmlns:m="http://schemas.openxmlformats.org/officeDocument/2006/math" xmlns:a14="http://schemas.microsoft.com/office/drawing/2010/main" xmlns:ma14="http://schemas.microsoft.com/office/mac/drawingml/2011/main" val="1"/>
             </a:ext>
           </a:extLst>
         </p:spPr>
@@ -4454,7 +4501,7 @@
           </a:ln>
           <a:extLst>
             <a:ext uri="{C572A759-6A51-4108-AA02-DFA0A04FC94B}">
-              <ma14:wrappingTextBoxFlag xmlns="" xmlns:m="http://schemas.openxmlformats.org/officeDocument/2006/math" xmlns:a14="http://schemas.microsoft.com/office/drawing/2010/main" xmlns:ma14="http://schemas.microsoft.com/office/mac/drawingml/2011/main" val="1"/>
+              <ma14:wrappingTextBoxFlag xmlns:ma14="http://schemas.microsoft.com/office/mac/drawingml/2011/main" xmlns:a14="http://schemas.microsoft.com/office/drawing/2010/main" xmlns:m="http://schemas.openxmlformats.org/officeDocument/2006/math" xmlns="" val="1"/>
             </a:ext>
           </a:extLst>
         </p:spPr>
@@ -4531,7 +4578,7 @@
           </a:prstGeom>
           <a:extLst>
             <a:ext uri="{C572A759-6A51-4108-AA02-DFA0A04FC94B}">
-              <ma14:wrappingTextBoxFlag xmlns:ma14="http://schemas.microsoft.com/office/mac/drawingml/2011/main" xmlns:a14="http://schemas.microsoft.com/office/drawing/2010/main" xmlns:m="http://schemas.openxmlformats.org/officeDocument/2006/math" xmlns="" val="1"/>
+              <ma14:wrappingTextBoxFlag xmlns="" xmlns:m="http://schemas.openxmlformats.org/officeDocument/2006/math" xmlns:a14="http://schemas.microsoft.com/office/drawing/2010/main" xmlns:ma14="http://schemas.microsoft.com/office/mac/drawingml/2011/main" val="1"/>
             </a:ext>
           </a:extLst>
         </p:spPr>
@@ -4565,7 +4612,7 @@
           </a:ln>
           <a:extLst>
             <a:ext uri="{C572A759-6A51-4108-AA02-DFA0A04FC94B}">
-              <ma14:wrappingTextBoxFlag xmlns:ma14="http://schemas.microsoft.com/office/mac/drawingml/2011/main" xmlns:a14="http://schemas.microsoft.com/office/drawing/2010/main" xmlns:m="http://schemas.openxmlformats.org/officeDocument/2006/math" xmlns="" val="1"/>
+              <ma14:wrappingTextBoxFlag xmlns="" xmlns:m="http://schemas.openxmlformats.org/officeDocument/2006/math" xmlns:a14="http://schemas.microsoft.com/office/drawing/2010/main" xmlns:ma14="http://schemas.microsoft.com/office/mac/drawingml/2011/main" val="1"/>
             </a:ext>
           </a:extLst>
         </p:spPr>
@@ -4613,7 +4660,7 @@
           </a:ln>
           <a:extLst>
             <a:ext uri="{C572A759-6A51-4108-AA02-DFA0A04FC94B}">
-              <ma14:wrappingTextBoxFlag xmlns:ma14="http://schemas.microsoft.com/office/mac/drawingml/2011/main" xmlns:a14="http://schemas.microsoft.com/office/drawing/2010/main" xmlns:m="http://schemas.openxmlformats.org/officeDocument/2006/math" xmlns="" val="1"/>
+              <ma14:wrappingTextBoxFlag xmlns="" xmlns:m="http://schemas.openxmlformats.org/officeDocument/2006/math" xmlns:a14="http://schemas.microsoft.com/office/drawing/2010/main" xmlns:ma14="http://schemas.microsoft.com/office/mac/drawingml/2011/main" val="1"/>
             </a:ext>
           </a:extLst>
         </p:spPr>
@@ -4809,7 +4856,7 @@
           </a:ln>
           <a:extLst>
             <a:ext uri="{C572A759-6A51-4108-AA02-DFA0A04FC94B}">
-              <ma14:wrappingTextBoxFlag xmlns="" xmlns:m="http://schemas.openxmlformats.org/officeDocument/2006/math" xmlns:a14="http://schemas.microsoft.com/office/drawing/2010/main" xmlns:ma14="http://schemas.microsoft.com/office/mac/drawingml/2011/main" val="1"/>
+              <ma14:wrappingTextBoxFlag xmlns:ma14="http://schemas.microsoft.com/office/mac/drawingml/2011/main" xmlns:a14="http://schemas.microsoft.com/office/drawing/2010/main" xmlns:m="http://schemas.openxmlformats.org/officeDocument/2006/math" xmlns="" val="1"/>
             </a:ext>
           </a:extLst>
         </p:spPr>
@@ -4890,7 +4937,7 @@
           </a:prstGeom>
           <a:extLst>
             <a:ext uri="{C572A759-6A51-4108-AA02-DFA0A04FC94B}">
-              <ma14:wrappingTextBoxFlag xmlns="" xmlns:m="http://schemas.openxmlformats.org/officeDocument/2006/math" xmlns:a14="http://schemas.microsoft.com/office/drawing/2010/main" xmlns:ma14="http://schemas.microsoft.com/office/mac/drawingml/2011/main" val="1"/>
+              <ma14:wrappingTextBoxFlag xmlns:ma14="http://schemas.microsoft.com/office/mac/drawingml/2011/main" xmlns:a14="http://schemas.microsoft.com/office/drawing/2010/main" xmlns:m="http://schemas.openxmlformats.org/officeDocument/2006/math" xmlns="" val="1"/>
             </a:ext>
           </a:extLst>
         </p:spPr>
@@ -4924,7 +4971,7 @@
           </a:ln>
           <a:extLst>
             <a:ext uri="{C572A759-6A51-4108-AA02-DFA0A04FC94B}">
-              <ma14:wrappingTextBoxFlag xmlns="" xmlns:m="http://schemas.openxmlformats.org/officeDocument/2006/math" xmlns:a14="http://schemas.microsoft.com/office/drawing/2010/main" xmlns:ma14="http://schemas.microsoft.com/office/mac/drawingml/2011/main" val="1"/>
+              <ma14:wrappingTextBoxFlag xmlns:ma14="http://schemas.microsoft.com/office/mac/drawingml/2011/main" xmlns:a14="http://schemas.microsoft.com/office/drawing/2010/main" xmlns:m="http://schemas.openxmlformats.org/officeDocument/2006/math" xmlns="" val="1"/>
             </a:ext>
           </a:extLst>
         </p:spPr>
@@ -4972,7 +5019,7 @@
           </a:ln>
           <a:extLst>
             <a:ext uri="{C572A759-6A51-4108-AA02-DFA0A04FC94B}">
-              <ma14:wrappingTextBoxFlag xmlns="" xmlns:m="http://schemas.openxmlformats.org/officeDocument/2006/math" xmlns:a14="http://schemas.microsoft.com/office/drawing/2010/main" xmlns:ma14="http://schemas.microsoft.com/office/mac/drawingml/2011/main" val="1"/>
+              <ma14:wrappingTextBoxFlag xmlns:ma14="http://schemas.microsoft.com/office/mac/drawingml/2011/main" xmlns:a14="http://schemas.microsoft.com/office/drawing/2010/main" xmlns:m="http://schemas.openxmlformats.org/officeDocument/2006/math" xmlns="" val="1"/>
             </a:ext>
           </a:extLst>
         </p:spPr>
@@ -5161,7 +5208,7 @@
           </a:ln>
           <a:extLst>
             <a:ext uri="{C572A759-6A51-4108-AA02-DFA0A04FC94B}">
-              <ma14:wrappingTextBoxFlag xmlns:ma14="http://schemas.microsoft.com/office/mac/drawingml/2011/main" xmlns:a14="http://schemas.microsoft.com/office/drawing/2010/main" xmlns:m="http://schemas.openxmlformats.org/officeDocument/2006/math" xmlns="" val="1"/>
+              <ma14:wrappingTextBoxFlag xmlns="" xmlns:m="http://schemas.openxmlformats.org/officeDocument/2006/math" xmlns:a14="http://schemas.microsoft.com/office/drawing/2010/main" xmlns:ma14="http://schemas.microsoft.com/office/mac/drawingml/2011/main" val="1"/>
             </a:ext>
           </a:extLst>
         </p:spPr>
@@ -5242,7 +5289,7 @@
           </a:prstGeom>
           <a:extLst>
             <a:ext uri="{C572A759-6A51-4108-AA02-DFA0A04FC94B}">
-              <ma14:wrappingTextBoxFlag xmlns:ma14="http://schemas.microsoft.com/office/mac/drawingml/2011/main" xmlns:a14="http://schemas.microsoft.com/office/drawing/2010/main" xmlns:m="http://schemas.openxmlformats.org/officeDocument/2006/math" xmlns="" val="1"/>
+              <ma14:wrappingTextBoxFlag xmlns="" xmlns:m="http://schemas.openxmlformats.org/officeDocument/2006/math" xmlns:a14="http://schemas.microsoft.com/office/drawing/2010/main" xmlns:ma14="http://schemas.microsoft.com/office/mac/drawingml/2011/main" val="1"/>
             </a:ext>
           </a:extLst>
         </p:spPr>
@@ -5276,7 +5323,7 @@
           </a:ln>
           <a:extLst>
             <a:ext uri="{C572A759-6A51-4108-AA02-DFA0A04FC94B}">
-              <ma14:wrappingTextBoxFlag xmlns:ma14="http://schemas.microsoft.com/office/mac/drawingml/2011/main" xmlns:a14="http://schemas.microsoft.com/office/drawing/2010/main" xmlns:m="http://schemas.openxmlformats.org/officeDocument/2006/math" xmlns="" val="1"/>
+              <ma14:wrappingTextBoxFlag xmlns="" xmlns:m="http://schemas.openxmlformats.org/officeDocument/2006/math" xmlns:a14="http://schemas.microsoft.com/office/drawing/2010/main" xmlns:ma14="http://schemas.microsoft.com/office/mac/drawingml/2011/main" val="1"/>
             </a:ext>
           </a:extLst>
         </p:spPr>
@@ -5324,7 +5371,7 @@
           </a:ln>
           <a:extLst>
             <a:ext uri="{C572A759-6A51-4108-AA02-DFA0A04FC94B}">
-              <ma14:wrappingTextBoxFlag xmlns:ma14="http://schemas.microsoft.com/office/mac/drawingml/2011/main" xmlns:a14="http://schemas.microsoft.com/office/drawing/2010/main" xmlns:m="http://schemas.openxmlformats.org/officeDocument/2006/math" xmlns="" val="1"/>
+              <ma14:wrappingTextBoxFlag xmlns="" xmlns:m="http://schemas.openxmlformats.org/officeDocument/2006/math" xmlns:a14="http://schemas.microsoft.com/office/drawing/2010/main" xmlns:ma14="http://schemas.microsoft.com/office/mac/drawingml/2011/main" val="1"/>
             </a:ext>
           </a:extLst>
         </p:spPr>
@@ -5428,7 +5475,7 @@
           </a:ln>
           <a:extLst>
             <a:ext uri="{C572A759-6A51-4108-AA02-DFA0A04FC94B}">
-              <ma14:wrappingTextBoxFlag xmlns="" xmlns:m="http://schemas.openxmlformats.org/officeDocument/2006/math" xmlns:a14="http://schemas.microsoft.com/office/drawing/2010/main" xmlns:ma14="http://schemas.microsoft.com/office/mac/drawingml/2011/main" val="1"/>
+              <ma14:wrappingTextBoxFlag xmlns:ma14="http://schemas.microsoft.com/office/mac/drawingml/2011/main" xmlns:a14="http://schemas.microsoft.com/office/drawing/2010/main" xmlns:m="http://schemas.openxmlformats.org/officeDocument/2006/math" xmlns="" val="1"/>
             </a:ext>
           </a:extLst>
         </p:spPr>
@@ -5509,7 +5556,7 @@
           </a:prstGeom>
           <a:extLst>
             <a:ext uri="{C572A759-6A51-4108-AA02-DFA0A04FC94B}">
-              <ma14:wrappingTextBoxFlag xmlns="" xmlns:m="http://schemas.openxmlformats.org/officeDocument/2006/math" xmlns:a14="http://schemas.microsoft.com/office/drawing/2010/main" xmlns:ma14="http://schemas.microsoft.com/office/mac/drawingml/2011/main" val="1"/>
+              <ma14:wrappingTextBoxFlag xmlns:ma14="http://schemas.microsoft.com/office/mac/drawingml/2011/main" xmlns:a14="http://schemas.microsoft.com/office/drawing/2010/main" xmlns:m="http://schemas.openxmlformats.org/officeDocument/2006/math" xmlns="" val="1"/>
             </a:ext>
           </a:extLst>
         </p:spPr>
@@ -5543,7 +5590,7 @@
           </a:ln>
           <a:extLst>
             <a:ext uri="{C572A759-6A51-4108-AA02-DFA0A04FC94B}">
-              <ma14:wrappingTextBoxFlag xmlns="" xmlns:m="http://schemas.openxmlformats.org/officeDocument/2006/math" xmlns:a14="http://schemas.microsoft.com/office/drawing/2010/main" xmlns:ma14="http://schemas.microsoft.com/office/mac/drawingml/2011/main" val="1"/>
+              <ma14:wrappingTextBoxFlag xmlns:ma14="http://schemas.microsoft.com/office/mac/drawingml/2011/main" xmlns:a14="http://schemas.microsoft.com/office/drawing/2010/main" xmlns:m="http://schemas.openxmlformats.org/officeDocument/2006/math" xmlns="" val="1"/>
             </a:ext>
           </a:extLst>
         </p:spPr>
@@ -5591,7 +5638,7 @@
           </a:ln>
           <a:extLst>
             <a:ext uri="{C572A759-6A51-4108-AA02-DFA0A04FC94B}">
-              <ma14:wrappingTextBoxFlag xmlns="" xmlns:m="http://schemas.openxmlformats.org/officeDocument/2006/math" xmlns:a14="http://schemas.microsoft.com/office/drawing/2010/main" xmlns:ma14="http://schemas.microsoft.com/office/mac/drawingml/2011/main" val="1"/>
+              <ma14:wrappingTextBoxFlag xmlns:ma14="http://schemas.microsoft.com/office/mac/drawingml/2011/main" xmlns:a14="http://schemas.microsoft.com/office/drawing/2010/main" xmlns:m="http://schemas.openxmlformats.org/officeDocument/2006/math" xmlns="" val="1"/>
             </a:ext>
           </a:extLst>
         </p:spPr>
@@ -5698,7 +5745,7 @@
           </a:ln>
           <a:extLst>
             <a:ext uri="{C572A759-6A51-4108-AA02-DFA0A04FC94B}">
-              <ma14:wrappingTextBoxFlag xmlns:ma14="http://schemas.microsoft.com/office/mac/drawingml/2011/main" xmlns:a14="http://schemas.microsoft.com/office/drawing/2010/main" xmlns:m="http://schemas.openxmlformats.org/officeDocument/2006/math" xmlns="" val="1"/>
+              <ma14:wrappingTextBoxFlag xmlns="" xmlns:m="http://schemas.openxmlformats.org/officeDocument/2006/math" xmlns:a14="http://schemas.microsoft.com/office/drawing/2010/main" xmlns:ma14="http://schemas.microsoft.com/office/mac/drawingml/2011/main" val="1"/>
             </a:ext>
           </a:extLst>
         </p:spPr>
@@ -5783,7 +5830,7 @@
           </a:prstGeom>
           <a:extLst>
             <a:ext uri="{C572A759-6A51-4108-AA02-DFA0A04FC94B}">
-              <ma14:wrappingTextBoxFlag xmlns:ma14="http://schemas.microsoft.com/office/mac/drawingml/2011/main" xmlns:a14="http://schemas.microsoft.com/office/drawing/2010/main" xmlns:m="http://schemas.openxmlformats.org/officeDocument/2006/math" xmlns="" val="1"/>
+              <ma14:wrappingTextBoxFlag xmlns="" xmlns:m="http://schemas.openxmlformats.org/officeDocument/2006/math" xmlns:a14="http://schemas.microsoft.com/office/drawing/2010/main" xmlns:ma14="http://schemas.microsoft.com/office/mac/drawingml/2011/main" val="1"/>
             </a:ext>
           </a:extLst>
         </p:spPr>
@@ -5817,7 +5864,7 @@
           </a:ln>
           <a:extLst>
             <a:ext uri="{C572A759-6A51-4108-AA02-DFA0A04FC94B}">
-              <ma14:wrappingTextBoxFlag xmlns:ma14="http://schemas.microsoft.com/office/mac/drawingml/2011/main" xmlns:a14="http://schemas.microsoft.com/office/drawing/2010/main" xmlns:m="http://schemas.openxmlformats.org/officeDocument/2006/math" xmlns="" val="1"/>
+              <ma14:wrappingTextBoxFlag xmlns="" xmlns:m="http://schemas.openxmlformats.org/officeDocument/2006/math" xmlns:a14="http://schemas.microsoft.com/office/drawing/2010/main" xmlns:ma14="http://schemas.microsoft.com/office/mac/drawingml/2011/main" val="1"/>
             </a:ext>
           </a:extLst>
         </p:spPr>
@@ -5865,7 +5912,7 @@
           </a:ln>
           <a:extLst>
             <a:ext uri="{C572A759-6A51-4108-AA02-DFA0A04FC94B}">
-              <ma14:wrappingTextBoxFlag xmlns:ma14="http://schemas.microsoft.com/office/mac/drawingml/2011/main" xmlns:a14="http://schemas.microsoft.com/office/drawing/2010/main" xmlns:m="http://schemas.openxmlformats.org/officeDocument/2006/math" xmlns="" val="1"/>
+              <ma14:wrappingTextBoxFlag xmlns="" xmlns:m="http://schemas.openxmlformats.org/officeDocument/2006/math" xmlns:a14="http://schemas.microsoft.com/office/drawing/2010/main" xmlns:ma14="http://schemas.microsoft.com/office/mac/drawingml/2011/main" val="1"/>
             </a:ext>
           </a:extLst>
         </p:spPr>
@@ -5889,7 +5936,7 @@
             <a:pPr algn="just"/>
             <a:r>
               <a:rPr lang="pt-BR" sz="1600" dirty="0"/>
-              <a:t>altera arquivo A.txt                      // adiciona linha 3</a:t>
+              <a:t>altera arquivo A.txt                    // adiciona linha 3</a:t>
             </a:r>
           </a:p>
           <a:p>
@@ -5908,7 +5955,7 @@
             </a:r>
             <a:r>
               <a:rPr lang="pt-BR" sz="1600" dirty="0"/>
-              <a:t>                                         // visualiza diferenças</a:t>
+              <a:t>                                        // visualiza diferenças</a:t>
             </a:r>
           </a:p>
           <a:p>
@@ -5927,7 +5974,7 @@
             </a:r>
             <a:r>
               <a:rPr lang="pt-BR" sz="1600" dirty="0"/>
-              <a:t> .                                      // adiciona todos os arquivos a </a:t>
+              <a:t> .                                     // adiciona todos os arquivos a </a:t>
             </a:r>
             <a:r>
               <a:rPr lang="pt-BR" sz="1600" dirty="0" err="1"/>
@@ -6110,7 +6157,7 @@
           </a:ln>
           <a:extLst>
             <a:ext uri="{C572A759-6A51-4108-AA02-DFA0A04FC94B}">
-              <ma14:wrappingTextBoxFlag xmlns="" xmlns:m="http://schemas.openxmlformats.org/officeDocument/2006/math" xmlns:a14="http://schemas.microsoft.com/office/drawing/2010/main" xmlns:ma14="http://schemas.microsoft.com/office/mac/drawingml/2011/main" val="1"/>
+              <ma14:wrappingTextBoxFlag xmlns:ma14="http://schemas.microsoft.com/office/mac/drawingml/2011/main" xmlns:a14="http://schemas.microsoft.com/office/drawing/2010/main" xmlns:m="http://schemas.openxmlformats.org/officeDocument/2006/math" xmlns="" val="1"/>
             </a:ext>
           </a:extLst>
         </p:spPr>
@@ -6211,7 +6258,7 @@
           </a:prstGeom>
           <a:extLst>
             <a:ext uri="{C572A759-6A51-4108-AA02-DFA0A04FC94B}">
-              <ma14:wrappingTextBoxFlag xmlns="" xmlns:m="http://schemas.openxmlformats.org/officeDocument/2006/math" xmlns:a14="http://schemas.microsoft.com/office/drawing/2010/main" xmlns:ma14="http://schemas.microsoft.com/office/mac/drawingml/2011/main" val="1"/>
+              <ma14:wrappingTextBoxFlag xmlns:ma14="http://schemas.microsoft.com/office/mac/drawingml/2011/main" xmlns:a14="http://schemas.microsoft.com/office/drawing/2010/main" xmlns:m="http://schemas.openxmlformats.org/officeDocument/2006/math" xmlns="" val="1"/>
             </a:ext>
           </a:extLst>
         </p:spPr>
@@ -6245,7 +6292,7 @@
           </a:ln>
           <a:extLst>
             <a:ext uri="{C572A759-6A51-4108-AA02-DFA0A04FC94B}">
-              <ma14:wrappingTextBoxFlag xmlns="" xmlns:m="http://schemas.openxmlformats.org/officeDocument/2006/math" xmlns:a14="http://schemas.microsoft.com/office/drawing/2010/main" xmlns:ma14="http://schemas.microsoft.com/office/mac/drawingml/2011/main" val="1"/>
+              <ma14:wrappingTextBoxFlag xmlns:ma14="http://schemas.microsoft.com/office/mac/drawingml/2011/main" xmlns:a14="http://schemas.microsoft.com/office/drawing/2010/main" xmlns:m="http://schemas.openxmlformats.org/officeDocument/2006/math" xmlns="" val="1"/>
             </a:ext>
           </a:extLst>
         </p:spPr>
@@ -6283,8 +6330,8 @@
         </p:nvSpPr>
         <p:spPr>
           <a:xfrm>
-            <a:off x="6509482" y="3321629"/>
-            <a:ext cx="4958423" cy="1442896"/>
+            <a:off x="6488243" y="2824871"/>
+            <a:ext cx="4958423" cy="1893147"/>
           </a:xfrm>
           <a:prstGeom prst="rect">
             <a:avLst/>
@@ -6294,7 +6341,7 @@
           </a:ln>
           <a:extLst>
             <a:ext uri="{C572A759-6A51-4108-AA02-DFA0A04FC94B}">
-              <ma14:wrappingTextBoxFlag xmlns="" xmlns:m="http://schemas.openxmlformats.org/officeDocument/2006/math" xmlns:a14="http://schemas.microsoft.com/office/drawing/2010/main" xmlns:ma14="http://schemas.microsoft.com/office/mac/drawingml/2011/main" val="1"/>
+              <ma14:wrappingTextBoxFlag xmlns:ma14="http://schemas.microsoft.com/office/mac/drawingml/2011/main" xmlns:a14="http://schemas.microsoft.com/office/drawing/2010/main" xmlns:m="http://schemas.openxmlformats.org/officeDocument/2006/math" xmlns="" val="1"/>
             </a:ext>
           </a:extLst>
         </p:spPr>
@@ -6316,44 +6363,44 @@
           </a:lstStyle>
           <a:p>
             <a:r>
-              <a:rPr lang="pt-BR" dirty="0"/>
+              <a:rPr lang="pt-BR" sz="1600" dirty="0"/>
               <a:t>Código, café e pão de queijo.</a:t>
             </a:r>
           </a:p>
           <a:p>
             <a:r>
-              <a:rPr lang="pt-BR" dirty="0"/>
+              <a:rPr lang="pt-BR" sz="1600" dirty="0"/>
               <a:t>Formado em Ciência da Computação pela Universidade José do Rosário </a:t>
             </a:r>
             <a:r>
-              <a:rPr lang="pt-BR" dirty="0" err="1"/>
+              <a:rPr lang="pt-BR" sz="1600" dirty="0" err="1"/>
               <a:t>Vellano</a:t>
             </a:r>
             <a:r>
-              <a:rPr lang="pt-BR" dirty="0"/>
+              <a:rPr lang="pt-BR" sz="1600" dirty="0"/>
               <a:t> (</a:t>
             </a:r>
             <a:r>
-              <a:rPr lang="pt-BR" dirty="0" err="1"/>
+              <a:rPr lang="pt-BR" sz="1600" dirty="0" err="1"/>
               <a:t>Unifenas</a:t>
             </a:r>
             <a:r>
-              <a:rPr lang="pt-BR" dirty="0"/>
+              <a:rPr lang="pt-BR" sz="1600" dirty="0"/>
               <a:t>)</a:t>
             </a:r>
           </a:p>
           <a:p>
             <a:r>
-              <a:rPr lang="pt-BR" dirty="0"/>
+              <a:rPr lang="pt-BR" sz="1600" dirty="0"/>
               <a:t>MBA em Big Data e Data Science pela Estácio. </a:t>
             </a:r>
           </a:p>
           <a:p>
             <a:r>
-              <a:rPr lang="pt-BR" dirty="0"/>
+              <a:rPr lang="pt-BR" sz="1600" dirty="0"/>
               <a:t>Tech Lead Time Allan</a:t>
             </a:r>
-            <a:endParaRPr dirty="0"/>
+            <a:endParaRPr sz="1600" dirty="0"/>
           </a:p>
         </p:txBody>
       </p:sp>
@@ -6365,8 +6412,8 @@
         </p:nvSpPr>
         <p:spPr>
           <a:xfrm>
-            <a:off x="6491437" y="3016493"/>
-            <a:ext cx="2650724" cy="307777"/>
+            <a:off x="6470198" y="2519735"/>
+            <a:ext cx="3394517" cy="369332"/>
           </a:xfrm>
           <a:prstGeom prst="rect">
             <a:avLst/>
@@ -6376,7 +6423,7 @@
           </a:ln>
           <a:extLst>
             <a:ext uri="{C572A759-6A51-4108-AA02-DFA0A04FC94B}">
-              <ma14:wrappingTextBoxFlag xmlns="" xmlns:m="http://schemas.openxmlformats.org/officeDocument/2006/math" xmlns:a14="http://schemas.microsoft.com/office/drawing/2010/main" xmlns:ma14="http://schemas.microsoft.com/office/mac/drawingml/2011/main" val="1"/>
+              <ma14:wrappingTextBoxFlag xmlns:ma14="http://schemas.microsoft.com/office/mac/drawingml/2011/main" xmlns:a14="http://schemas.microsoft.com/office/drawing/2010/main" xmlns:m="http://schemas.openxmlformats.org/officeDocument/2006/math" xmlns="" val="1"/>
             </a:ext>
           </a:extLst>
         </p:spPr>
@@ -6399,10 +6446,10 @@
           </a:lstStyle>
           <a:p>
             <a:r>
-              <a:rPr lang="pt-BR" dirty="0"/>
+              <a:rPr lang="pt-BR" sz="1800" dirty="0"/>
               <a:t>Guilherme de Meneses Pereira</a:t>
             </a:r>
-            <a:endParaRPr dirty="0"/>
+            <a:endParaRPr sz="1800" dirty="0"/>
           </a:p>
         </p:txBody>
       </p:sp>
@@ -6430,7 +6477,7 @@
               </a:ext>
             </a:extLst>
           </a:blip>
-          <a:srcRect l="1780" r="1780"/>
+          <a:srcRect l="9908" r="9908"/>
           <a:stretch/>
         </p:blipFill>
         <p:spPr>
@@ -6810,7 +6857,7 @@
           </a:prstGeom>
           <a:extLst>
             <a:ext uri="{C572A759-6A51-4108-AA02-DFA0A04FC94B}">
-              <ma14:wrappingTextBoxFlag xmlns:ma14="http://schemas.microsoft.com/office/mac/drawingml/2011/main" xmlns:a14="http://schemas.microsoft.com/office/drawing/2010/main" xmlns:m="http://schemas.openxmlformats.org/officeDocument/2006/math" xmlns="" val="1"/>
+              <ma14:wrappingTextBoxFlag xmlns="" xmlns:m="http://schemas.openxmlformats.org/officeDocument/2006/math" xmlns:a14="http://schemas.microsoft.com/office/drawing/2010/main" xmlns:ma14="http://schemas.microsoft.com/office/mac/drawingml/2011/main" val="1"/>
             </a:ext>
           </a:extLst>
         </p:spPr>
@@ -6844,7 +6891,7 @@
           </a:ln>
           <a:extLst>
             <a:ext uri="{C572A759-6A51-4108-AA02-DFA0A04FC94B}">
-              <ma14:wrappingTextBoxFlag xmlns:ma14="http://schemas.microsoft.com/office/mac/drawingml/2011/main" xmlns:a14="http://schemas.microsoft.com/office/drawing/2010/main" xmlns:m="http://schemas.openxmlformats.org/officeDocument/2006/math" xmlns="" val="1"/>
+              <ma14:wrappingTextBoxFlag xmlns="" xmlns:m="http://schemas.openxmlformats.org/officeDocument/2006/math" xmlns:a14="http://schemas.microsoft.com/office/drawing/2010/main" xmlns:ma14="http://schemas.microsoft.com/office/mac/drawingml/2011/main" val="1"/>
             </a:ext>
           </a:extLst>
         </p:spPr>
@@ -6892,7 +6939,7 @@
           </a:ln>
           <a:extLst>
             <a:ext uri="{C572A759-6A51-4108-AA02-DFA0A04FC94B}">
-              <ma14:wrappingTextBoxFlag xmlns:ma14="http://schemas.microsoft.com/office/mac/drawingml/2011/main" xmlns:a14="http://schemas.microsoft.com/office/drawing/2010/main" xmlns:m="http://schemas.openxmlformats.org/officeDocument/2006/math" xmlns="" val="1"/>
+              <ma14:wrappingTextBoxFlag xmlns="" xmlns:m="http://schemas.openxmlformats.org/officeDocument/2006/math" xmlns:a14="http://schemas.microsoft.com/office/drawing/2010/main" xmlns:ma14="http://schemas.microsoft.com/office/mac/drawingml/2011/main" val="1"/>
             </a:ext>
           </a:extLst>
         </p:spPr>
@@ -7250,7 +7297,7 @@
           </a:ln>
           <a:extLst>
             <a:ext uri="{C572A759-6A51-4108-AA02-DFA0A04FC94B}">
-              <ma14:wrappingTextBoxFlag xmlns="" xmlns:m="http://schemas.openxmlformats.org/officeDocument/2006/math" xmlns:a14="http://schemas.microsoft.com/office/drawing/2010/main" xmlns:ma14="http://schemas.microsoft.com/office/mac/drawingml/2011/main" val="1"/>
+              <ma14:wrappingTextBoxFlag xmlns:ma14="http://schemas.microsoft.com/office/mac/drawingml/2011/main" xmlns:a14="http://schemas.microsoft.com/office/drawing/2010/main" xmlns:m="http://schemas.openxmlformats.org/officeDocument/2006/math" xmlns="" val="1"/>
             </a:ext>
           </a:extLst>
         </p:spPr>
@@ -7339,7 +7386,7 @@
           </a:prstGeom>
           <a:extLst>
             <a:ext uri="{C572A759-6A51-4108-AA02-DFA0A04FC94B}">
-              <ma14:wrappingTextBoxFlag xmlns:ma14="http://schemas.microsoft.com/office/mac/drawingml/2011/main" xmlns:a14="http://schemas.microsoft.com/office/drawing/2010/main" xmlns:m="http://schemas.openxmlformats.org/officeDocument/2006/math" xmlns="" val="1"/>
+              <ma14:wrappingTextBoxFlag xmlns="" xmlns:m="http://schemas.openxmlformats.org/officeDocument/2006/math" xmlns:a14="http://schemas.microsoft.com/office/drawing/2010/main" xmlns:ma14="http://schemas.microsoft.com/office/mac/drawingml/2011/main" val="1"/>
             </a:ext>
           </a:extLst>
         </p:spPr>
@@ -7374,7 +7421,7 @@
           </a:ln>
           <a:extLst>
             <a:ext uri="{C572A759-6A51-4108-AA02-DFA0A04FC94B}">
-              <ma14:wrappingTextBoxFlag xmlns:ma14="http://schemas.microsoft.com/office/mac/drawingml/2011/main" xmlns:a14="http://schemas.microsoft.com/office/drawing/2010/main" xmlns:m="http://schemas.openxmlformats.org/officeDocument/2006/math" xmlns="" val="1"/>
+              <ma14:wrappingTextBoxFlag xmlns="" xmlns:m="http://schemas.openxmlformats.org/officeDocument/2006/math" xmlns:a14="http://schemas.microsoft.com/office/drawing/2010/main" xmlns:ma14="http://schemas.microsoft.com/office/mac/drawingml/2011/main" val="1"/>
             </a:ext>
           </a:extLst>
         </p:spPr>
@@ -7422,7 +7469,7 @@
           </a:ln>
           <a:extLst>
             <a:ext uri="{C572A759-6A51-4108-AA02-DFA0A04FC94B}">
-              <ma14:wrappingTextBoxFlag xmlns:ma14="http://schemas.microsoft.com/office/mac/drawingml/2011/main" xmlns:a14="http://schemas.microsoft.com/office/drawing/2010/main" xmlns:m="http://schemas.openxmlformats.org/officeDocument/2006/math" xmlns="" val="1"/>
+              <ma14:wrappingTextBoxFlag xmlns="" xmlns:m="http://schemas.openxmlformats.org/officeDocument/2006/math" xmlns:a14="http://schemas.microsoft.com/office/drawing/2010/main" xmlns:ma14="http://schemas.microsoft.com/office/mac/drawingml/2011/main" val="1"/>
             </a:ext>
           </a:extLst>
         </p:spPr>
@@ -7534,7 +7581,7 @@
           </a:ln>
           <a:extLst>
             <a:ext uri="{C572A759-6A51-4108-AA02-DFA0A04FC94B}">
-              <ma14:wrappingTextBoxFlag xmlns="" xmlns:m="http://schemas.openxmlformats.org/officeDocument/2006/math" xmlns:a14="http://schemas.microsoft.com/office/drawing/2010/main" xmlns:ma14="http://schemas.microsoft.com/office/mac/drawingml/2011/main" val="1"/>
+              <ma14:wrappingTextBoxFlag xmlns:ma14="http://schemas.microsoft.com/office/mac/drawingml/2011/main" xmlns:a14="http://schemas.microsoft.com/office/drawing/2010/main" xmlns:m="http://schemas.openxmlformats.org/officeDocument/2006/math" xmlns="" val="1"/>
             </a:ext>
           </a:extLst>
         </p:spPr>
@@ -7627,7 +7674,7 @@
           </a:prstGeom>
           <a:extLst>
             <a:ext uri="{C572A759-6A51-4108-AA02-DFA0A04FC94B}">
-              <ma14:wrappingTextBoxFlag xmlns="" xmlns:m="http://schemas.openxmlformats.org/officeDocument/2006/math" xmlns:a14="http://schemas.microsoft.com/office/drawing/2010/main" xmlns:ma14="http://schemas.microsoft.com/office/mac/drawingml/2011/main" val="1"/>
+              <ma14:wrappingTextBoxFlag xmlns:ma14="http://schemas.microsoft.com/office/mac/drawingml/2011/main" xmlns:a14="http://schemas.microsoft.com/office/drawing/2010/main" xmlns:m="http://schemas.openxmlformats.org/officeDocument/2006/math" xmlns="" val="1"/>
             </a:ext>
           </a:extLst>
         </p:spPr>
@@ -7729,7 +7776,7 @@
           </a:prstGeom>
           <a:extLst>
             <a:ext uri="{C572A759-6A51-4108-AA02-DFA0A04FC94B}">
-              <ma14:wrappingTextBoxFlag xmlns:ma14="http://schemas.microsoft.com/office/mac/drawingml/2011/main" xmlns:a14="http://schemas.microsoft.com/office/drawing/2010/main" xmlns:m="http://schemas.openxmlformats.org/officeDocument/2006/math" xmlns="" val="1"/>
+              <ma14:wrappingTextBoxFlag xmlns="" xmlns:m="http://schemas.openxmlformats.org/officeDocument/2006/math" xmlns:a14="http://schemas.microsoft.com/office/drawing/2010/main" xmlns:ma14="http://schemas.microsoft.com/office/mac/drawingml/2011/main" val="1"/>
             </a:ext>
           </a:extLst>
         </p:spPr>
@@ -7763,7 +7810,7 @@
           </a:ln>
           <a:extLst>
             <a:ext uri="{C572A759-6A51-4108-AA02-DFA0A04FC94B}">
-              <ma14:wrappingTextBoxFlag xmlns:ma14="http://schemas.microsoft.com/office/mac/drawingml/2011/main" xmlns:a14="http://schemas.microsoft.com/office/drawing/2010/main" xmlns:m="http://schemas.openxmlformats.org/officeDocument/2006/math" xmlns="" val="1"/>
+              <ma14:wrappingTextBoxFlag xmlns="" xmlns:m="http://schemas.openxmlformats.org/officeDocument/2006/math" xmlns:a14="http://schemas.microsoft.com/office/drawing/2010/main" xmlns:ma14="http://schemas.microsoft.com/office/mac/drawingml/2011/main" val="1"/>
             </a:ext>
           </a:extLst>
         </p:spPr>
@@ -7811,7 +7858,7 @@
           </a:ln>
           <a:extLst>
             <a:ext uri="{C572A759-6A51-4108-AA02-DFA0A04FC94B}">
-              <ma14:wrappingTextBoxFlag xmlns:ma14="http://schemas.microsoft.com/office/mac/drawingml/2011/main" xmlns:a14="http://schemas.microsoft.com/office/drawing/2010/main" xmlns:m="http://schemas.openxmlformats.org/officeDocument/2006/math" xmlns="" val="1"/>
+              <ma14:wrappingTextBoxFlag xmlns="" xmlns:m="http://schemas.openxmlformats.org/officeDocument/2006/math" xmlns:a14="http://schemas.microsoft.com/office/drawing/2010/main" xmlns:ma14="http://schemas.microsoft.com/office/mac/drawingml/2011/main" val="1"/>
             </a:ext>
           </a:extLst>
         </p:spPr>
@@ -7909,7 +7956,7 @@
           </a:ln>
           <a:extLst>
             <a:ext uri="{C572A759-6A51-4108-AA02-DFA0A04FC94B}">
-              <ma14:wrappingTextBoxFlag xmlns="" xmlns:m="http://schemas.openxmlformats.org/officeDocument/2006/math" xmlns:a14="http://schemas.microsoft.com/office/drawing/2010/main" xmlns:ma14="http://schemas.microsoft.com/office/mac/drawingml/2011/main" val="1"/>
+              <ma14:wrappingTextBoxFlag xmlns:ma14="http://schemas.microsoft.com/office/mac/drawingml/2011/main" xmlns:a14="http://schemas.microsoft.com/office/drawing/2010/main" xmlns:m="http://schemas.openxmlformats.org/officeDocument/2006/math" xmlns="" val="1"/>
             </a:ext>
           </a:extLst>
         </p:spPr>
@@ -7986,7 +8033,7 @@
           </a:prstGeom>
           <a:extLst>
             <a:ext uri="{C572A759-6A51-4108-AA02-DFA0A04FC94B}">
-              <ma14:wrappingTextBoxFlag xmlns:ma14="http://schemas.microsoft.com/office/mac/drawingml/2011/main" xmlns:a14="http://schemas.microsoft.com/office/drawing/2010/main" xmlns:m="http://schemas.openxmlformats.org/officeDocument/2006/math" xmlns="" val="1"/>
+              <ma14:wrappingTextBoxFlag xmlns="" xmlns:m="http://schemas.openxmlformats.org/officeDocument/2006/math" xmlns:a14="http://schemas.microsoft.com/office/drawing/2010/main" xmlns:ma14="http://schemas.microsoft.com/office/mac/drawingml/2011/main" val="1"/>
             </a:ext>
           </a:extLst>
         </p:spPr>
@@ -8020,7 +8067,7 @@
           </a:ln>
           <a:extLst>
             <a:ext uri="{C572A759-6A51-4108-AA02-DFA0A04FC94B}">
-              <ma14:wrappingTextBoxFlag xmlns:ma14="http://schemas.microsoft.com/office/mac/drawingml/2011/main" xmlns:a14="http://schemas.microsoft.com/office/drawing/2010/main" xmlns:m="http://schemas.openxmlformats.org/officeDocument/2006/math" xmlns="" val="1"/>
+              <ma14:wrappingTextBoxFlag xmlns="" xmlns:m="http://schemas.openxmlformats.org/officeDocument/2006/math" xmlns:a14="http://schemas.microsoft.com/office/drawing/2010/main" xmlns:ma14="http://schemas.microsoft.com/office/mac/drawingml/2011/main" val="1"/>
             </a:ext>
           </a:extLst>
         </p:spPr>
@@ -8083,7 +8130,7 @@
           </a:ln>
           <a:extLst>
             <a:ext uri="{C572A759-6A51-4108-AA02-DFA0A04FC94B}">
-              <ma14:wrappingTextBoxFlag xmlns="" xmlns:m="http://schemas.openxmlformats.org/officeDocument/2006/math" xmlns:a14="http://schemas.microsoft.com/office/drawing/2010/main" xmlns:ma14="http://schemas.microsoft.com/office/mac/drawingml/2011/main" val="1"/>
+              <ma14:wrappingTextBoxFlag xmlns:ma14="http://schemas.microsoft.com/office/mac/drawingml/2011/main" xmlns:a14="http://schemas.microsoft.com/office/drawing/2010/main" xmlns:m="http://schemas.openxmlformats.org/officeDocument/2006/math" xmlns="" val="1"/>
             </a:ext>
           </a:extLst>
         </p:spPr>
@@ -8200,7 +8247,7 @@
           </a:prstGeom>
           <a:extLst>
             <a:ext uri="{C572A759-6A51-4108-AA02-DFA0A04FC94B}">
-              <ma14:wrappingTextBoxFlag xmlns="" xmlns:m="http://schemas.openxmlformats.org/officeDocument/2006/math" xmlns:a14="http://schemas.microsoft.com/office/drawing/2010/main" xmlns:ma14="http://schemas.microsoft.com/office/mac/drawingml/2011/main" val="1"/>
+              <ma14:wrappingTextBoxFlag xmlns:ma14="http://schemas.microsoft.com/office/mac/drawingml/2011/main" xmlns:a14="http://schemas.microsoft.com/office/drawing/2010/main" xmlns:m="http://schemas.openxmlformats.org/officeDocument/2006/math" xmlns="" val="1"/>
             </a:ext>
           </a:extLst>
         </p:spPr>
@@ -8235,7 +8282,7 @@
           </a:ln>
           <a:extLst>
             <a:ext uri="{C572A759-6A51-4108-AA02-DFA0A04FC94B}">
-              <ma14:wrappingTextBoxFlag xmlns="" xmlns:m="http://schemas.openxmlformats.org/officeDocument/2006/math" xmlns:a14="http://schemas.microsoft.com/office/drawing/2010/main" xmlns:ma14="http://schemas.microsoft.com/office/mac/drawingml/2011/main" val="1"/>
+              <ma14:wrappingTextBoxFlag xmlns:ma14="http://schemas.microsoft.com/office/mac/drawingml/2011/main" xmlns:a14="http://schemas.microsoft.com/office/drawing/2010/main" xmlns:m="http://schemas.openxmlformats.org/officeDocument/2006/math" xmlns="" val="1"/>
             </a:ext>
           </a:extLst>
         </p:spPr>
@@ -8292,7 +8339,7 @@
           </a:ln>
           <a:extLst>
             <a:ext uri="{C572A759-6A51-4108-AA02-DFA0A04FC94B}">
-              <ma14:wrappingTextBoxFlag xmlns="" xmlns:m="http://schemas.openxmlformats.org/officeDocument/2006/math" xmlns:a14="http://schemas.microsoft.com/office/drawing/2010/main" xmlns:ma14="http://schemas.microsoft.com/office/mac/drawingml/2011/main" val="1"/>
+              <ma14:wrappingTextBoxFlag xmlns:ma14="http://schemas.microsoft.com/office/mac/drawingml/2011/main" xmlns:a14="http://schemas.microsoft.com/office/drawing/2010/main" xmlns:m="http://schemas.openxmlformats.org/officeDocument/2006/math" xmlns="" val="1"/>
             </a:ext>
           </a:extLst>
         </p:spPr>
@@ -8743,7 +8790,7 @@
           </a:ln>
           <a:extLst>
             <a:ext uri="{C572A759-6A51-4108-AA02-DFA0A04FC94B}">
-              <ma14:wrappingTextBoxFlag xmlns:ma14="http://schemas.microsoft.com/office/mac/drawingml/2011/main" xmlns:a14="http://schemas.microsoft.com/office/drawing/2010/main" xmlns:m="http://schemas.openxmlformats.org/officeDocument/2006/math" xmlns="" val="1"/>
+              <ma14:wrappingTextBoxFlag xmlns="" xmlns:m="http://schemas.openxmlformats.org/officeDocument/2006/math" xmlns:a14="http://schemas.microsoft.com/office/drawing/2010/main" xmlns:ma14="http://schemas.microsoft.com/office/mac/drawingml/2011/main" val="1"/>
             </a:ext>
           </a:extLst>
         </p:spPr>
@@ -8824,7 +8871,7 @@
           </a:prstGeom>
           <a:extLst>
             <a:ext uri="{C572A759-6A51-4108-AA02-DFA0A04FC94B}">
-              <ma14:wrappingTextBoxFlag xmlns="" xmlns:m="http://schemas.openxmlformats.org/officeDocument/2006/math" xmlns:a14="http://schemas.microsoft.com/office/drawing/2010/main" xmlns:ma14="http://schemas.microsoft.com/office/mac/drawingml/2011/main" val="1"/>
+              <ma14:wrappingTextBoxFlag xmlns:ma14="http://schemas.microsoft.com/office/mac/drawingml/2011/main" xmlns:a14="http://schemas.microsoft.com/office/drawing/2010/main" xmlns:m="http://schemas.openxmlformats.org/officeDocument/2006/math" xmlns="" val="1"/>
             </a:ext>
           </a:extLst>
         </p:spPr>
@@ -9349,7 +9396,7 @@
           </a:prstGeom>
           <a:extLst>
             <a:ext uri="{C572A759-6A51-4108-AA02-DFA0A04FC94B}">
-              <ma14:wrappingTextBoxFlag xmlns:ma14="http://schemas.microsoft.com/office/mac/drawingml/2011/main" xmlns:a14="http://schemas.microsoft.com/office/drawing/2010/main" xmlns:m="http://schemas.openxmlformats.org/officeDocument/2006/math" xmlns="" val="1"/>
+              <ma14:wrappingTextBoxFlag xmlns="" xmlns:m="http://schemas.openxmlformats.org/officeDocument/2006/math" xmlns:a14="http://schemas.microsoft.com/office/drawing/2010/main" xmlns:ma14="http://schemas.microsoft.com/office/mac/drawingml/2011/main" val="1"/>
             </a:ext>
           </a:extLst>
         </p:spPr>
@@ -9373,7 +9420,7 @@
         <p:spPr>
           <a:xfrm>
             <a:off x="1486931" y="723094"/>
-            <a:ext cx="1759454" cy="830997"/>
+            <a:ext cx="2306079" cy="830997"/>
           </a:xfrm>
           <a:prstGeom prst="rect">
             <a:avLst/>
@@ -9383,7 +9430,7 @@
           </a:ln>
           <a:extLst>
             <a:ext uri="{C572A759-6A51-4108-AA02-DFA0A04FC94B}">
-              <ma14:wrappingTextBoxFlag xmlns:ma14="http://schemas.microsoft.com/office/mac/drawingml/2011/main" xmlns:a14="http://schemas.microsoft.com/office/drawing/2010/main" xmlns:m="http://schemas.openxmlformats.org/officeDocument/2006/math" xmlns="" val="1"/>
+              <ma14:wrappingTextBoxFlag xmlns="" xmlns:m="http://schemas.openxmlformats.org/officeDocument/2006/math" xmlns:a14="http://schemas.microsoft.com/office/drawing/2010/main" xmlns:ma14="http://schemas.microsoft.com/office/mac/drawingml/2011/main" val="1"/>
             </a:ext>
           </a:extLst>
         </p:spPr>
@@ -9406,8 +9453,8 @@
           </a:lstStyle>
           <a:p>
             <a:r>
-              <a:rPr lang="pt-BR" dirty="0" err="1"/>
-              <a:t>Indice</a:t>
+              <a:rPr lang="pt-BR" dirty="0"/>
+              <a:t>Sumário</a:t>
             </a:r>
             <a:endParaRPr dirty="0"/>
           </a:p>
@@ -9422,7 +9469,7 @@
         <p:spPr>
           <a:xfrm>
             <a:off x="1486931" y="1620995"/>
-            <a:ext cx="9579182" cy="3658887"/>
+            <a:ext cx="9579182" cy="4847802"/>
           </a:xfrm>
           <a:prstGeom prst="rect">
             <a:avLst/>
@@ -9432,7 +9479,7 @@
           </a:ln>
           <a:extLst>
             <a:ext uri="{C572A759-6A51-4108-AA02-DFA0A04FC94B}">
-              <ma14:wrappingTextBoxFlag xmlns:ma14="http://schemas.microsoft.com/office/mac/drawingml/2011/main" xmlns:a14="http://schemas.microsoft.com/office/drawing/2010/main" xmlns:m="http://schemas.openxmlformats.org/officeDocument/2006/math" xmlns="" val="1"/>
+              <ma14:wrappingTextBoxFlag xmlns="" xmlns:m="http://schemas.openxmlformats.org/officeDocument/2006/math" xmlns:a14="http://schemas.microsoft.com/office/drawing/2010/main" xmlns:ma14="http://schemas.microsoft.com/office/mac/drawingml/2011/main" val="1"/>
             </a:ext>
           </a:extLst>
         </p:spPr>
@@ -9455,161 +9502,161 @@
           <a:p>
             <a:pPr algn="just"/>
             <a:r>
-              <a:rPr lang="pt-BR" dirty="0"/>
+              <a:rPr lang="pt-BR" sz="1600" dirty="0"/>
               <a:t>01 – Introdução sobre controles de versão</a:t>
             </a:r>
           </a:p>
           <a:p>
             <a:pPr algn="just"/>
             <a:r>
-              <a:rPr lang="pt-BR" dirty="0"/>
+              <a:rPr lang="pt-BR" sz="1600" dirty="0"/>
               <a:t>02 – História sobre o surgimento do GIT</a:t>
             </a:r>
           </a:p>
           <a:p>
             <a:pPr algn="just"/>
             <a:r>
-              <a:rPr lang="pt-BR" dirty="0"/>
+              <a:rPr lang="pt-BR" sz="1600" dirty="0"/>
               <a:t>03 – </a:t>
             </a:r>
             <a:r>
-              <a:rPr lang="pt-BR" dirty="0" err="1"/>
+              <a:rPr lang="pt-BR" sz="1600" dirty="0" err="1"/>
               <a:t>Git</a:t>
             </a:r>
             <a:r>
-              <a:rPr lang="pt-BR" dirty="0"/>
+              <a:rPr lang="pt-BR" sz="1600" dirty="0"/>
               <a:t> Chart</a:t>
             </a:r>
           </a:p>
           <a:p>
             <a:pPr algn="just"/>
             <a:r>
-              <a:rPr lang="pt-BR" dirty="0"/>
+              <a:rPr lang="pt-BR" sz="1600" dirty="0"/>
               <a:t>04 – Ambientes locais e </a:t>
             </a:r>
             <a:r>
-              <a:rPr lang="pt-BR" dirty="0" err="1"/>
+              <a:rPr lang="pt-BR" sz="1600" dirty="0" err="1"/>
               <a:t>romotos</a:t>
             </a:r>
-            <a:endParaRPr lang="pt-BR" dirty="0"/>
+            <a:endParaRPr lang="pt-BR" sz="1600" dirty="0"/>
           </a:p>
           <a:p>
             <a:pPr algn="just"/>
             <a:r>
-              <a:rPr lang="pt-BR" dirty="0"/>
+              <a:rPr lang="pt-BR" sz="1600" dirty="0"/>
               <a:t>05 – Árvores/</a:t>
             </a:r>
             <a:r>
-              <a:rPr lang="pt-BR" dirty="0" err="1"/>
+              <a:rPr lang="pt-BR" sz="1600" dirty="0" err="1"/>
               <a:t>Branches</a:t>
             </a:r>
-            <a:endParaRPr lang="pt-BR" dirty="0"/>
+            <a:endParaRPr lang="pt-BR" sz="1600" dirty="0"/>
           </a:p>
           <a:p>
             <a:pPr algn="just"/>
             <a:r>
-              <a:rPr lang="pt-BR" dirty="0"/>
+              <a:rPr lang="pt-BR" sz="1600" dirty="0"/>
               <a:t>06 – </a:t>
             </a:r>
             <a:r>
-              <a:rPr lang="pt-BR" dirty="0" err="1"/>
+              <a:rPr lang="pt-BR" sz="1600" dirty="0" err="1"/>
               <a:t>Commits</a:t>
             </a:r>
-            <a:endParaRPr lang="pt-BR" dirty="0"/>
+            <a:endParaRPr lang="pt-BR" sz="1600" dirty="0"/>
           </a:p>
           <a:p>
             <a:pPr algn="just"/>
             <a:r>
-              <a:rPr lang="pt-BR" dirty="0"/>
+              <a:rPr lang="pt-BR" sz="1600" dirty="0"/>
               <a:t>07 – </a:t>
             </a:r>
             <a:r>
-              <a:rPr lang="pt-BR" dirty="0" err="1"/>
+              <a:rPr lang="pt-BR" sz="1600" dirty="0" err="1"/>
               <a:t>Pull</a:t>
             </a:r>
             <a:r>
-              <a:rPr lang="pt-BR" dirty="0"/>
+              <a:rPr lang="pt-BR" sz="1600" dirty="0"/>
               <a:t> e </a:t>
             </a:r>
             <a:r>
-              <a:rPr lang="pt-BR" dirty="0" err="1"/>
+              <a:rPr lang="pt-BR" sz="1600" dirty="0" err="1"/>
               <a:t>Push</a:t>
             </a:r>
-            <a:endParaRPr lang="pt-BR" dirty="0"/>
+            <a:endParaRPr lang="pt-BR" sz="1600" dirty="0"/>
           </a:p>
           <a:p>
             <a:pPr algn="just"/>
             <a:r>
-              <a:rPr lang="pt-BR" dirty="0"/>
+              <a:rPr lang="pt-BR" sz="1600" dirty="0"/>
               <a:t>08 - Merges</a:t>
             </a:r>
           </a:p>
           <a:p>
             <a:pPr algn="just"/>
             <a:r>
-              <a:rPr lang="pt-BR" dirty="0"/>
+              <a:rPr lang="pt-BR" sz="1600" dirty="0"/>
               <a:t>09 - Workflow</a:t>
             </a:r>
           </a:p>
           <a:p>
             <a:pPr algn="just"/>
             <a:r>
-              <a:rPr lang="pt-BR" dirty="0"/>
+              <a:rPr lang="pt-BR" sz="1600" dirty="0"/>
               <a:t>10 - </a:t>
             </a:r>
             <a:r>
-              <a:rPr lang="pt-BR" dirty="0" err="1"/>
+              <a:rPr lang="pt-BR" sz="1600" dirty="0" err="1"/>
               <a:t>Gitignore</a:t>
             </a:r>
-            <a:endParaRPr lang="pt-BR" dirty="0"/>
+            <a:endParaRPr lang="pt-BR" sz="1600" dirty="0"/>
           </a:p>
           <a:p>
             <a:pPr algn="just"/>
             <a:r>
-              <a:rPr lang="pt-BR" dirty="0"/>
+              <a:rPr lang="pt-BR" sz="1600" dirty="0"/>
               <a:t>11 – Primeiros comandos (Ambiente Local)</a:t>
             </a:r>
           </a:p>
           <a:p>
             <a:pPr algn="just"/>
             <a:r>
-              <a:rPr lang="pt-BR" dirty="0"/>
+              <a:rPr lang="pt-BR" sz="1600" dirty="0"/>
               <a:t>12 - </a:t>
             </a:r>
             <a:r>
-              <a:rPr lang="pt-BR" dirty="0" err="1"/>
+              <a:rPr lang="pt-BR" sz="1600" dirty="0" err="1"/>
               <a:t>Git</a:t>
             </a:r>
             <a:r>
-              <a:rPr lang="pt-BR" dirty="0"/>
+              <a:rPr lang="pt-BR" sz="1600" dirty="0"/>
               <a:t> </a:t>
             </a:r>
             <a:r>
-              <a:rPr lang="pt-BR" dirty="0" err="1"/>
+              <a:rPr lang="pt-BR" sz="1600" dirty="0" err="1"/>
               <a:t>Flow</a:t>
             </a:r>
-            <a:endParaRPr lang="pt-BR" dirty="0"/>
+            <a:endParaRPr lang="pt-BR" sz="1600" dirty="0"/>
           </a:p>
           <a:p>
             <a:pPr algn="just"/>
             <a:r>
-              <a:rPr lang="pt-BR" dirty="0"/>
+              <a:rPr lang="pt-BR" sz="1600" dirty="0"/>
               <a:t>13 – Primeiros comandos com </a:t>
             </a:r>
             <a:r>
-              <a:rPr lang="pt-BR" dirty="0" err="1"/>
+              <a:rPr lang="pt-BR" sz="1600" dirty="0" err="1"/>
               <a:t>Git</a:t>
             </a:r>
             <a:r>
-              <a:rPr lang="pt-BR" dirty="0"/>
+              <a:rPr lang="pt-BR" sz="1600" dirty="0"/>
               <a:t> </a:t>
             </a:r>
             <a:r>
-              <a:rPr lang="pt-BR" dirty="0" err="1"/>
+              <a:rPr lang="pt-BR" sz="1600" dirty="0" err="1"/>
               <a:t>Flow</a:t>
             </a:r>
             <a:r>
-              <a:rPr lang="pt-BR" dirty="0"/>
+              <a:rPr lang="pt-BR" sz="1600" dirty="0"/>
               <a:t>  </a:t>
             </a:r>
           </a:p>
@@ -9640,7 +9687,7 @@
           </a:ln>
           <a:extLst>
             <a:ext uri="{C572A759-6A51-4108-AA02-DFA0A04FC94B}">
-              <ma14:wrappingTextBoxFlag xmlns:ma14="http://schemas.microsoft.com/office/mac/drawingml/2011/main" xmlns:a14="http://schemas.microsoft.com/office/drawing/2010/main" xmlns:m="http://schemas.openxmlformats.org/officeDocument/2006/math" xmlns="" val="1"/>
+              <ma14:wrappingTextBoxFlag xmlns="" xmlns:m="http://schemas.openxmlformats.org/officeDocument/2006/math" xmlns:a14="http://schemas.microsoft.com/office/drawing/2010/main" xmlns:ma14="http://schemas.microsoft.com/office/mac/drawingml/2011/main" val="1"/>
             </a:ext>
           </a:extLst>
         </p:spPr>
@@ -9717,7 +9764,7 @@
           </a:prstGeom>
           <a:extLst>
             <a:ext uri="{C572A759-6A51-4108-AA02-DFA0A04FC94B}">
-              <ma14:wrappingTextBoxFlag xmlns="" xmlns:m="http://schemas.openxmlformats.org/officeDocument/2006/math" xmlns:a14="http://schemas.microsoft.com/office/drawing/2010/main" xmlns:ma14="http://schemas.microsoft.com/office/mac/drawingml/2011/main" val="1"/>
+              <ma14:wrappingTextBoxFlag xmlns:ma14="http://schemas.microsoft.com/office/mac/drawingml/2011/main" xmlns:a14="http://schemas.microsoft.com/office/drawing/2010/main" xmlns:m="http://schemas.openxmlformats.org/officeDocument/2006/math" xmlns="" val="1"/>
             </a:ext>
           </a:extLst>
         </p:spPr>
@@ -9751,7 +9798,7 @@
           </a:ln>
           <a:extLst>
             <a:ext uri="{C572A759-6A51-4108-AA02-DFA0A04FC94B}">
-              <ma14:wrappingTextBoxFlag xmlns="" xmlns:m="http://schemas.openxmlformats.org/officeDocument/2006/math" xmlns:a14="http://schemas.microsoft.com/office/drawing/2010/main" xmlns:ma14="http://schemas.microsoft.com/office/mac/drawingml/2011/main" val="1"/>
+              <ma14:wrappingTextBoxFlag xmlns:ma14="http://schemas.microsoft.com/office/mac/drawingml/2011/main" xmlns:a14="http://schemas.microsoft.com/office/drawing/2010/main" xmlns:m="http://schemas.openxmlformats.org/officeDocument/2006/math" xmlns="" val="1"/>
             </a:ext>
           </a:extLst>
         </p:spPr>
@@ -9800,7 +9847,7 @@
           </a:ln>
           <a:extLst>
             <a:ext uri="{C572A759-6A51-4108-AA02-DFA0A04FC94B}">
-              <ma14:wrappingTextBoxFlag xmlns="" xmlns:m="http://schemas.openxmlformats.org/officeDocument/2006/math" xmlns:a14="http://schemas.microsoft.com/office/drawing/2010/main" xmlns:ma14="http://schemas.microsoft.com/office/mac/drawingml/2011/main" val="1"/>
+              <ma14:wrappingTextBoxFlag xmlns:ma14="http://schemas.microsoft.com/office/mac/drawingml/2011/main" xmlns:a14="http://schemas.microsoft.com/office/drawing/2010/main" xmlns:m="http://schemas.openxmlformats.org/officeDocument/2006/math" xmlns="" val="1"/>
             </a:ext>
           </a:extLst>
         </p:spPr>
@@ -9867,7 +9914,7 @@
           </a:ln>
           <a:extLst>
             <a:ext uri="{C572A759-6A51-4108-AA02-DFA0A04FC94B}">
-              <ma14:wrappingTextBoxFlag xmlns="" xmlns:m="http://schemas.openxmlformats.org/officeDocument/2006/math" xmlns:a14="http://schemas.microsoft.com/office/drawing/2010/main" xmlns:ma14="http://schemas.microsoft.com/office/mac/drawingml/2011/main" val="1"/>
+              <ma14:wrappingTextBoxFlag xmlns:ma14="http://schemas.microsoft.com/office/mac/drawingml/2011/main" xmlns:a14="http://schemas.microsoft.com/office/drawing/2010/main" xmlns:m="http://schemas.openxmlformats.org/officeDocument/2006/math" xmlns="" val="1"/>
             </a:ext>
           </a:extLst>
         </p:spPr>
@@ -9948,7 +9995,7 @@
           </a:prstGeom>
           <a:extLst>
             <a:ext uri="{C572A759-6A51-4108-AA02-DFA0A04FC94B}">
-              <ma14:wrappingTextBoxFlag xmlns:ma14="http://schemas.microsoft.com/office/mac/drawingml/2011/main" xmlns:a14="http://schemas.microsoft.com/office/drawing/2010/main" xmlns:m="http://schemas.openxmlformats.org/officeDocument/2006/math" xmlns="" val="1"/>
+              <ma14:wrappingTextBoxFlag xmlns="" xmlns:m="http://schemas.openxmlformats.org/officeDocument/2006/math" xmlns:a14="http://schemas.microsoft.com/office/drawing/2010/main" xmlns:ma14="http://schemas.microsoft.com/office/mac/drawingml/2011/main" val="1"/>
             </a:ext>
           </a:extLst>
         </p:spPr>
@@ -9982,7 +10029,7 @@
           </a:ln>
           <a:extLst>
             <a:ext uri="{C572A759-6A51-4108-AA02-DFA0A04FC94B}">
-              <ma14:wrappingTextBoxFlag xmlns:ma14="http://schemas.microsoft.com/office/mac/drawingml/2011/main" xmlns:a14="http://schemas.microsoft.com/office/drawing/2010/main" xmlns:m="http://schemas.openxmlformats.org/officeDocument/2006/math" xmlns="" val="1"/>
+              <ma14:wrappingTextBoxFlag xmlns="" xmlns:m="http://schemas.openxmlformats.org/officeDocument/2006/math" xmlns:a14="http://schemas.microsoft.com/office/drawing/2010/main" xmlns:ma14="http://schemas.microsoft.com/office/mac/drawingml/2011/main" val="1"/>
             </a:ext>
           </a:extLst>
         </p:spPr>
@@ -10037,7 +10084,7 @@
           </a:ln>
           <a:extLst>
             <a:ext uri="{C572A759-6A51-4108-AA02-DFA0A04FC94B}">
-              <ma14:wrappingTextBoxFlag xmlns:ma14="http://schemas.microsoft.com/office/mac/drawingml/2011/main" xmlns:a14="http://schemas.microsoft.com/office/drawing/2010/main" xmlns:m="http://schemas.openxmlformats.org/officeDocument/2006/math" xmlns="" val="1"/>
+              <ma14:wrappingTextBoxFlag xmlns="" xmlns:m="http://schemas.openxmlformats.org/officeDocument/2006/math" xmlns:a14="http://schemas.microsoft.com/office/drawing/2010/main" xmlns:ma14="http://schemas.microsoft.com/office/mac/drawingml/2011/main" val="1"/>
             </a:ext>
           </a:extLst>
         </p:spPr>
@@ -10298,7 +10345,7 @@
           </a:prstGeom>
           <a:extLst>
             <a:ext uri="{C572A759-6A51-4108-AA02-DFA0A04FC94B}">
-              <ma14:wrappingTextBoxFlag xmlns:ma14="http://schemas.microsoft.com/office/mac/drawingml/2011/main" xmlns:a14="http://schemas.microsoft.com/office/drawing/2010/main" xmlns:m="http://schemas.openxmlformats.org/officeDocument/2006/math" xmlns="" val="1"/>
+              <ma14:wrappingTextBoxFlag xmlns="" xmlns:m="http://schemas.openxmlformats.org/officeDocument/2006/math" xmlns:a14="http://schemas.microsoft.com/office/drawing/2010/main" xmlns:ma14="http://schemas.microsoft.com/office/mac/drawingml/2011/main" val="1"/>
             </a:ext>
           </a:extLst>
         </p:spPr>
@@ -10332,7 +10379,7 @@
           </a:ln>
           <a:extLst>
             <a:ext uri="{C572A759-6A51-4108-AA02-DFA0A04FC94B}">
-              <ma14:wrappingTextBoxFlag xmlns:ma14="http://schemas.microsoft.com/office/mac/drawingml/2011/main" xmlns:a14="http://schemas.microsoft.com/office/drawing/2010/main" xmlns:m="http://schemas.openxmlformats.org/officeDocument/2006/math" xmlns="" val="1"/>
+              <ma14:wrappingTextBoxFlag xmlns="" xmlns:m="http://schemas.openxmlformats.org/officeDocument/2006/math" xmlns:a14="http://schemas.microsoft.com/office/drawing/2010/main" xmlns:ma14="http://schemas.microsoft.com/office/mac/drawingml/2011/main" val="1"/>
             </a:ext>
           </a:extLst>
         </p:spPr>
@@ -10381,7 +10428,7 @@
           </a:ln>
           <a:extLst>
             <a:ext uri="{C572A759-6A51-4108-AA02-DFA0A04FC94B}">
-              <ma14:wrappingTextBoxFlag xmlns:ma14="http://schemas.microsoft.com/office/mac/drawingml/2011/main" xmlns:a14="http://schemas.microsoft.com/office/drawing/2010/main" xmlns:m="http://schemas.openxmlformats.org/officeDocument/2006/math" xmlns="" val="1"/>
+              <ma14:wrappingTextBoxFlag xmlns="" xmlns:m="http://schemas.openxmlformats.org/officeDocument/2006/math" xmlns:a14="http://schemas.microsoft.com/office/drawing/2010/main" xmlns:ma14="http://schemas.microsoft.com/office/mac/drawingml/2011/main" val="1"/>
             </a:ext>
           </a:extLst>
         </p:spPr>
@@ -10496,7 +10543,7 @@
           </a:ln>
           <a:extLst>
             <a:ext uri="{C572A759-6A51-4108-AA02-DFA0A04FC94B}">
-              <ma14:wrappingTextBoxFlag xmlns="" xmlns:m="http://schemas.openxmlformats.org/officeDocument/2006/math" xmlns:a14="http://schemas.microsoft.com/office/drawing/2010/main" xmlns:ma14="http://schemas.microsoft.com/office/mac/drawingml/2011/main" val="1"/>
+              <ma14:wrappingTextBoxFlag xmlns:ma14="http://schemas.microsoft.com/office/mac/drawingml/2011/main" xmlns:a14="http://schemas.microsoft.com/office/drawing/2010/main" xmlns:m="http://schemas.openxmlformats.org/officeDocument/2006/math" xmlns="" val="1"/>
             </a:ext>
           </a:extLst>
         </p:spPr>
@@ -10613,7 +10660,7 @@
           </a:prstGeom>
           <a:extLst>
             <a:ext uri="{C572A759-6A51-4108-AA02-DFA0A04FC94B}">
-              <ma14:wrappingTextBoxFlag xmlns="" xmlns:m="http://schemas.openxmlformats.org/officeDocument/2006/math" xmlns:a14="http://schemas.microsoft.com/office/drawing/2010/main" xmlns:ma14="http://schemas.microsoft.com/office/mac/drawingml/2011/main" val="1"/>
+              <ma14:wrappingTextBoxFlag xmlns:ma14="http://schemas.microsoft.com/office/mac/drawingml/2011/main" xmlns:a14="http://schemas.microsoft.com/office/drawing/2010/main" xmlns:m="http://schemas.openxmlformats.org/officeDocument/2006/math" xmlns="" val="1"/>
             </a:ext>
           </a:extLst>
         </p:spPr>
@@ -10647,7 +10694,7 @@
           </a:ln>
           <a:extLst>
             <a:ext uri="{C572A759-6A51-4108-AA02-DFA0A04FC94B}">
-              <ma14:wrappingTextBoxFlag xmlns="" xmlns:m="http://schemas.openxmlformats.org/officeDocument/2006/math" xmlns:a14="http://schemas.microsoft.com/office/drawing/2010/main" xmlns:ma14="http://schemas.microsoft.com/office/mac/drawingml/2011/main" val="1"/>
+              <ma14:wrappingTextBoxFlag xmlns:ma14="http://schemas.microsoft.com/office/mac/drawingml/2011/main" xmlns:a14="http://schemas.microsoft.com/office/drawing/2010/main" xmlns:m="http://schemas.openxmlformats.org/officeDocument/2006/math" xmlns="" val="1"/>
             </a:ext>
           </a:extLst>
         </p:spPr>
@@ -10704,7 +10751,7 @@
           </a:ln>
           <a:extLst>
             <a:ext uri="{C572A759-6A51-4108-AA02-DFA0A04FC94B}">
-              <ma14:wrappingTextBoxFlag xmlns="" xmlns:m="http://schemas.openxmlformats.org/officeDocument/2006/math" xmlns:a14="http://schemas.microsoft.com/office/drawing/2010/main" xmlns:ma14="http://schemas.microsoft.com/office/mac/drawingml/2011/main" val="1"/>
+              <ma14:wrappingTextBoxFlag xmlns:ma14="http://schemas.microsoft.com/office/mac/drawingml/2011/main" xmlns:a14="http://schemas.microsoft.com/office/drawing/2010/main" xmlns:m="http://schemas.openxmlformats.org/officeDocument/2006/math" xmlns="" val="1"/>
             </a:ext>
           </a:extLst>
         </p:spPr>
@@ -10757,7 +10804,7 @@
           </a:ln>
           <a:extLst>
             <a:ext uri="{C572A759-6A51-4108-AA02-DFA0A04FC94B}">
-              <ma14:wrappingTextBoxFlag xmlns:ma14="http://schemas.microsoft.com/office/mac/drawingml/2011/main" xmlns:a14="http://schemas.microsoft.com/office/drawing/2010/main" xmlns:m="http://schemas.openxmlformats.org/officeDocument/2006/math" xmlns="" val="1"/>
+              <ma14:wrappingTextBoxFlag xmlns="" xmlns:m="http://schemas.openxmlformats.org/officeDocument/2006/math" xmlns:a14="http://schemas.microsoft.com/office/drawing/2010/main" xmlns:ma14="http://schemas.microsoft.com/office/mac/drawingml/2011/main" val="1"/>
             </a:ext>
           </a:extLst>
         </p:spPr>
@@ -10870,7 +10917,7 @@
           </a:prstGeom>
           <a:extLst>
             <a:ext uri="{C572A759-6A51-4108-AA02-DFA0A04FC94B}">
-              <ma14:wrappingTextBoxFlag xmlns="" xmlns:m="http://schemas.openxmlformats.org/officeDocument/2006/math" xmlns:a14="http://schemas.microsoft.com/office/drawing/2010/main" xmlns:ma14="http://schemas.microsoft.com/office/mac/drawingml/2011/main" val="1"/>
+              <ma14:wrappingTextBoxFlag xmlns:ma14="http://schemas.microsoft.com/office/mac/drawingml/2011/main" xmlns:a14="http://schemas.microsoft.com/office/drawing/2010/main" xmlns:m="http://schemas.openxmlformats.org/officeDocument/2006/math" xmlns="" val="1"/>
             </a:ext>
           </a:extLst>
         </p:spPr>
@@ -10904,7 +10951,7 @@
           </a:ln>
           <a:extLst>
             <a:ext uri="{C572A759-6A51-4108-AA02-DFA0A04FC94B}">
-              <ma14:wrappingTextBoxFlag xmlns="" xmlns:m="http://schemas.openxmlformats.org/officeDocument/2006/math" xmlns:a14="http://schemas.microsoft.com/office/drawing/2010/main" xmlns:ma14="http://schemas.microsoft.com/office/mac/drawingml/2011/main" val="1"/>
+              <ma14:wrappingTextBoxFlag xmlns:ma14="http://schemas.microsoft.com/office/mac/drawingml/2011/main" xmlns:a14="http://schemas.microsoft.com/office/drawing/2010/main" xmlns:m="http://schemas.openxmlformats.org/officeDocument/2006/math" xmlns="" val="1"/>
             </a:ext>
           </a:extLst>
         </p:spPr>
@@ -10953,7 +11000,7 @@
           </a:ln>
           <a:extLst>
             <a:ext uri="{C572A759-6A51-4108-AA02-DFA0A04FC94B}">
-              <ma14:wrappingTextBoxFlag xmlns="" xmlns:m="http://schemas.openxmlformats.org/officeDocument/2006/math" xmlns:a14="http://schemas.microsoft.com/office/drawing/2010/main" xmlns:ma14="http://schemas.microsoft.com/office/mac/drawingml/2011/main" val="1"/>
+              <ma14:wrappingTextBoxFlag xmlns:ma14="http://schemas.microsoft.com/office/mac/drawingml/2011/main" xmlns:a14="http://schemas.microsoft.com/office/drawing/2010/main" xmlns:m="http://schemas.openxmlformats.org/officeDocument/2006/math" xmlns="" val="1"/>
             </a:ext>
           </a:extLst>
         </p:spPr>
@@ -11038,7 +11085,7 @@
           </a:ln>
           <a:extLst>
             <a:ext uri="{C572A759-6A51-4108-AA02-DFA0A04FC94B}">
-              <ma14:wrappingTextBoxFlag xmlns:ma14="http://schemas.microsoft.com/office/mac/drawingml/2011/main" xmlns:a14="http://schemas.microsoft.com/office/drawing/2010/main" xmlns:m="http://schemas.openxmlformats.org/officeDocument/2006/math" xmlns="" val="1"/>
+              <ma14:wrappingTextBoxFlag xmlns="" xmlns:m="http://schemas.openxmlformats.org/officeDocument/2006/math" xmlns:a14="http://schemas.microsoft.com/office/drawing/2010/main" xmlns:ma14="http://schemas.microsoft.com/office/mac/drawingml/2011/main" val="1"/>
             </a:ext>
           </a:extLst>
         </p:spPr>
@@ -11151,7 +11198,7 @@
           </a:prstGeom>
           <a:extLst>
             <a:ext uri="{C572A759-6A51-4108-AA02-DFA0A04FC94B}">
-              <ma14:wrappingTextBoxFlag xmlns:ma14="http://schemas.microsoft.com/office/mac/drawingml/2011/main" xmlns:a14="http://schemas.microsoft.com/office/drawing/2010/main" xmlns:m="http://schemas.openxmlformats.org/officeDocument/2006/math" xmlns="" val="1"/>
+              <ma14:wrappingTextBoxFlag xmlns="" xmlns:m="http://schemas.openxmlformats.org/officeDocument/2006/math" xmlns:a14="http://schemas.microsoft.com/office/drawing/2010/main" xmlns:ma14="http://schemas.microsoft.com/office/mac/drawingml/2011/main" val="1"/>
             </a:ext>
           </a:extLst>
         </p:spPr>
@@ -11185,7 +11232,7 @@
           </a:ln>
           <a:extLst>
             <a:ext uri="{C572A759-6A51-4108-AA02-DFA0A04FC94B}">
-              <ma14:wrappingTextBoxFlag xmlns:ma14="http://schemas.microsoft.com/office/mac/drawingml/2011/main" xmlns:a14="http://schemas.microsoft.com/office/drawing/2010/main" xmlns:m="http://schemas.openxmlformats.org/officeDocument/2006/math" xmlns="" val="1"/>
+              <ma14:wrappingTextBoxFlag xmlns="" xmlns:m="http://schemas.openxmlformats.org/officeDocument/2006/math" xmlns:a14="http://schemas.microsoft.com/office/drawing/2010/main" xmlns:ma14="http://schemas.microsoft.com/office/mac/drawingml/2011/main" val="1"/>
             </a:ext>
           </a:extLst>
         </p:spPr>
@@ -11238,7 +11285,7 @@
           </a:ln>
           <a:extLst>
             <a:ext uri="{C572A759-6A51-4108-AA02-DFA0A04FC94B}">
-              <ma14:wrappingTextBoxFlag xmlns:ma14="http://schemas.microsoft.com/office/mac/drawingml/2011/main" xmlns:a14="http://schemas.microsoft.com/office/drawing/2010/main" xmlns:m="http://schemas.openxmlformats.org/officeDocument/2006/math" xmlns="" val="1"/>
+              <ma14:wrappingTextBoxFlag xmlns="" xmlns:m="http://schemas.openxmlformats.org/officeDocument/2006/math" xmlns:a14="http://schemas.microsoft.com/office/drawing/2010/main" xmlns:ma14="http://schemas.microsoft.com/office/mac/drawingml/2011/main" val="1"/>
             </a:ext>
           </a:extLst>
         </p:spPr>
@@ -11356,7 +11403,7 @@
           </a:ln>
           <a:extLst>
             <a:ext uri="{C572A759-6A51-4108-AA02-DFA0A04FC94B}">
-              <ma14:wrappingTextBoxFlag xmlns="" xmlns:m="http://schemas.openxmlformats.org/officeDocument/2006/math" xmlns:a14="http://schemas.microsoft.com/office/drawing/2010/main" xmlns:ma14="http://schemas.microsoft.com/office/mac/drawingml/2011/main" val="1"/>
+              <ma14:wrappingTextBoxFlag xmlns:ma14="http://schemas.microsoft.com/office/mac/drawingml/2011/main" xmlns:a14="http://schemas.microsoft.com/office/drawing/2010/main" xmlns:m="http://schemas.openxmlformats.org/officeDocument/2006/math" xmlns="" val="1"/>
             </a:ext>
           </a:extLst>
         </p:spPr>
